--- a/estudios/UEX/Curso2/Asignaturas/IPO/Ejercicios/JoseLuisObiangEN_Ejercicio1-B.pptx
+++ b/estudios/UEX/Curso2/Asignaturas/IPO/Ejercicios/JoseLuisObiangEN_Ejercicio1-B.pptx
@@ -1033,19 +1033,19 @@
     </dgm:pt>
   </dgm:ptLst>
   <dgm:cxnLst>
+    <dgm:cxn modelId="{93139602-FCF5-4623-84F6-553F49D4A2DE}" type="presOf" srcId="{C3BD8EF6-F5E5-4451-834E-489F47244787}" destId="{AF58F0C7-4861-46B5-9F6C-68B2AF166F51}" srcOrd="0" destOrd="0" presId="urn:microsoft.com/office/officeart/2008/layout/LinedList"/>
     <dgm:cxn modelId="{BE774642-EB67-46D1-B7BA-AB4F854F06CE}" srcId="{E180DACE-A461-449C-A91B-0C0BC28B5976}" destId="{C3BD8EF6-F5E5-4451-834E-489F47244787}" srcOrd="1" destOrd="0" parTransId="{1B6A9441-F957-47C0-B156-4C6BA5F4450C}" sibTransId="{861DCF03-D1EA-47AB-8587-83A662B6DB70}"/>
-    <dgm:cxn modelId="{B57FFE59-B9AF-4BD9-8B78-7C5B2E903B50}" type="presOf" srcId="{E3FA8639-C0E1-4655-9E7F-B49F22602FFB}" destId="{D1477C60-218F-4318-A9A5-684DEA6D8413}" srcOrd="0" destOrd="0" presId="urn:microsoft.com/office/officeart/2008/layout/LinedList"/>
-    <dgm:cxn modelId="{4EB2AB8E-3D1F-4DD7-A370-9B9710006D62}" type="presOf" srcId="{C3BD8EF6-F5E5-4451-834E-489F47244787}" destId="{AF58F0C7-4861-46B5-9F6C-68B2AF166F51}" srcOrd="0" destOrd="0" presId="urn:microsoft.com/office/officeart/2008/layout/LinedList"/>
+    <dgm:cxn modelId="{40252771-D055-4EBB-BE1A-B4B112093FBB}" type="presOf" srcId="{E180DACE-A461-449C-A91B-0C0BC28B5976}" destId="{E691866E-14B1-4C10-AF5E-D750A757F665}" srcOrd="0" destOrd="0" presId="urn:microsoft.com/office/officeart/2008/layout/LinedList"/>
     <dgm:cxn modelId="{2B447494-3E3E-4421-B3AC-37E18BD4FC92}" srcId="{E180DACE-A461-449C-A91B-0C0BC28B5976}" destId="{E3FA8639-C0E1-4655-9E7F-B49F22602FFB}" srcOrd="0" destOrd="0" parTransId="{D00DFE38-E4AB-417B-BF06-2B4BC3B9D30E}" sibTransId="{E94151AF-9237-41CA-B6B8-3B19EA77C771}"/>
-    <dgm:cxn modelId="{1ED73BC8-9747-4ED8-BA85-B8DBACBA1D9D}" type="presOf" srcId="{E180DACE-A461-449C-A91B-0C0BC28B5976}" destId="{E691866E-14B1-4C10-AF5E-D750A757F665}" srcOrd="0" destOrd="0" presId="urn:microsoft.com/office/officeart/2008/layout/LinedList"/>
-    <dgm:cxn modelId="{84B18C71-6C77-4010-BB7C-580F28542BD3}" type="presParOf" srcId="{E691866E-14B1-4C10-AF5E-D750A757F665}" destId="{FF43D8AF-74F3-47E6-B666-0C5A74B4DB63}" srcOrd="0" destOrd="0" presId="urn:microsoft.com/office/officeart/2008/layout/LinedList"/>
-    <dgm:cxn modelId="{129C3BF0-6351-4EF9-91C1-434141B955CF}" type="presParOf" srcId="{E691866E-14B1-4C10-AF5E-D750A757F665}" destId="{6536BE30-9BC2-40B3-9EB5-199A12B95617}" srcOrd="1" destOrd="0" presId="urn:microsoft.com/office/officeart/2008/layout/LinedList"/>
-    <dgm:cxn modelId="{D8117B95-9228-4AD0-A9FF-BD66B7B8861C}" type="presParOf" srcId="{6536BE30-9BC2-40B3-9EB5-199A12B95617}" destId="{D1477C60-218F-4318-A9A5-684DEA6D8413}" srcOrd="0" destOrd="0" presId="urn:microsoft.com/office/officeart/2008/layout/LinedList"/>
-    <dgm:cxn modelId="{743F2F44-390C-4446-9AA0-64D54B9E8FF3}" type="presParOf" srcId="{6536BE30-9BC2-40B3-9EB5-199A12B95617}" destId="{8E66FB3C-8081-4CB1-ACF0-E36C8835F275}" srcOrd="1" destOrd="0" presId="urn:microsoft.com/office/officeart/2008/layout/LinedList"/>
-    <dgm:cxn modelId="{04E08AF8-1A2E-4A82-AC94-535826F48860}" type="presParOf" srcId="{E691866E-14B1-4C10-AF5E-D750A757F665}" destId="{BA4B747E-4985-40CB-B894-35D92E06DC05}" srcOrd="2" destOrd="0" presId="urn:microsoft.com/office/officeart/2008/layout/LinedList"/>
-    <dgm:cxn modelId="{9C049B6F-FB90-48B7-918C-B6AFFBB908CF}" type="presParOf" srcId="{E691866E-14B1-4C10-AF5E-D750A757F665}" destId="{00349BCA-715C-497E-8246-44C3FA9A137F}" srcOrd="3" destOrd="0" presId="urn:microsoft.com/office/officeart/2008/layout/LinedList"/>
-    <dgm:cxn modelId="{2AE21B10-71F3-4E90-9441-FEDBBC034659}" type="presParOf" srcId="{00349BCA-715C-497E-8246-44C3FA9A137F}" destId="{AF58F0C7-4861-46B5-9F6C-68B2AF166F51}" srcOrd="0" destOrd="0" presId="urn:microsoft.com/office/officeart/2008/layout/LinedList"/>
-    <dgm:cxn modelId="{D6C36C28-9CE6-4DF6-AD73-832401028CEA}" type="presParOf" srcId="{00349BCA-715C-497E-8246-44C3FA9A137F}" destId="{27225229-0672-4EAF-B941-E3FA9A75B15B}" srcOrd="1" destOrd="0" presId="urn:microsoft.com/office/officeart/2008/layout/LinedList"/>
+    <dgm:cxn modelId="{30200DB1-3896-4ADD-B274-AE6B4D2E7288}" type="presOf" srcId="{E3FA8639-C0E1-4655-9E7F-B49F22602FFB}" destId="{D1477C60-218F-4318-A9A5-684DEA6D8413}" srcOrd="0" destOrd="0" presId="urn:microsoft.com/office/officeart/2008/layout/LinedList"/>
+    <dgm:cxn modelId="{C2559B71-A152-4BF7-83CE-F06CBEE57E7E}" type="presParOf" srcId="{E691866E-14B1-4C10-AF5E-D750A757F665}" destId="{FF43D8AF-74F3-47E6-B666-0C5A74B4DB63}" srcOrd="0" destOrd="0" presId="urn:microsoft.com/office/officeart/2008/layout/LinedList"/>
+    <dgm:cxn modelId="{37D9432F-50E8-4486-99F6-A5961F18FF55}" type="presParOf" srcId="{E691866E-14B1-4C10-AF5E-D750A757F665}" destId="{6536BE30-9BC2-40B3-9EB5-199A12B95617}" srcOrd="1" destOrd="0" presId="urn:microsoft.com/office/officeart/2008/layout/LinedList"/>
+    <dgm:cxn modelId="{23764D8D-00C9-4B21-BFAD-8F295523A102}" type="presParOf" srcId="{6536BE30-9BC2-40B3-9EB5-199A12B95617}" destId="{D1477C60-218F-4318-A9A5-684DEA6D8413}" srcOrd="0" destOrd="0" presId="urn:microsoft.com/office/officeart/2008/layout/LinedList"/>
+    <dgm:cxn modelId="{81A874F4-4DA2-465F-AA80-A9DCFE19FEE2}" type="presParOf" srcId="{6536BE30-9BC2-40B3-9EB5-199A12B95617}" destId="{8E66FB3C-8081-4CB1-ACF0-E36C8835F275}" srcOrd="1" destOrd="0" presId="urn:microsoft.com/office/officeart/2008/layout/LinedList"/>
+    <dgm:cxn modelId="{70EE9F41-D0CA-4AF8-87B7-FD69ABA282EA}" type="presParOf" srcId="{E691866E-14B1-4C10-AF5E-D750A757F665}" destId="{BA4B747E-4985-40CB-B894-35D92E06DC05}" srcOrd="2" destOrd="0" presId="urn:microsoft.com/office/officeart/2008/layout/LinedList"/>
+    <dgm:cxn modelId="{8A157E91-1D4A-4FB9-B6BF-119C66DD143B}" type="presParOf" srcId="{E691866E-14B1-4C10-AF5E-D750A757F665}" destId="{00349BCA-715C-497E-8246-44C3FA9A137F}" srcOrd="3" destOrd="0" presId="urn:microsoft.com/office/officeart/2008/layout/LinedList"/>
+    <dgm:cxn modelId="{7E4854B9-FBFB-40D2-B5DA-1D887D279E30}" type="presParOf" srcId="{00349BCA-715C-497E-8246-44C3FA9A137F}" destId="{AF58F0C7-4861-46B5-9F6C-68B2AF166F51}" srcOrd="0" destOrd="0" presId="urn:microsoft.com/office/officeart/2008/layout/LinedList"/>
+    <dgm:cxn modelId="{B3C9CCCC-4BE8-4CB8-8705-56F9329AF6F8}" type="presParOf" srcId="{00349BCA-715C-497E-8246-44C3FA9A137F}" destId="{27225229-0672-4EAF-B941-E3FA9A75B15B}" srcOrd="1" destOrd="0" presId="urn:microsoft.com/office/officeart/2008/layout/LinedList"/>
   </dgm:cxnLst>
   <dgm:bg/>
   <dgm:whole/>
@@ -3010,7 +3010,7 @@
           <a:p>
             <a:fld id="{5D7A14FA-1E79-4B3C-A09F-9EFA5605D680}" type="datetimeFigureOut">
               <a:rPr lang="es-ES" smtClean="0"/>
-              <a:t>02/10/2018</a:t>
+              <a:t>04/10/2022</a:t>
             </a:fld>
             <a:endParaRPr lang="es-ES"/>
           </a:p>
@@ -3208,7 +3208,7 @@
           <a:p>
             <a:fld id="{5D7A14FA-1E79-4B3C-A09F-9EFA5605D680}" type="datetimeFigureOut">
               <a:rPr lang="es-ES" smtClean="0"/>
-              <a:t>02/10/2018</a:t>
+              <a:t>04/10/2022</a:t>
             </a:fld>
             <a:endParaRPr lang="es-ES"/>
           </a:p>
@@ -3416,7 +3416,7 @@
           <a:p>
             <a:fld id="{5D7A14FA-1E79-4B3C-A09F-9EFA5605D680}" type="datetimeFigureOut">
               <a:rPr lang="es-ES" smtClean="0"/>
-              <a:t>02/10/2018</a:t>
+              <a:t>04/10/2022</a:t>
             </a:fld>
             <a:endParaRPr lang="es-ES"/>
           </a:p>
@@ -3614,7 +3614,7 @@
           <a:p>
             <a:fld id="{5D7A14FA-1E79-4B3C-A09F-9EFA5605D680}" type="datetimeFigureOut">
               <a:rPr lang="es-ES" smtClean="0"/>
-              <a:t>02/10/2018</a:t>
+              <a:t>04/10/2022</a:t>
             </a:fld>
             <a:endParaRPr lang="es-ES"/>
           </a:p>
@@ -3889,7 +3889,7 @@
           <a:p>
             <a:fld id="{5D7A14FA-1E79-4B3C-A09F-9EFA5605D680}" type="datetimeFigureOut">
               <a:rPr lang="es-ES" smtClean="0"/>
-              <a:t>02/10/2018</a:t>
+              <a:t>04/10/2022</a:t>
             </a:fld>
             <a:endParaRPr lang="es-ES"/>
           </a:p>
@@ -4154,7 +4154,7 @@
           <a:p>
             <a:fld id="{5D7A14FA-1E79-4B3C-A09F-9EFA5605D680}" type="datetimeFigureOut">
               <a:rPr lang="es-ES" smtClean="0"/>
-              <a:t>02/10/2018</a:t>
+              <a:t>04/10/2022</a:t>
             </a:fld>
             <a:endParaRPr lang="es-ES"/>
           </a:p>
@@ -4566,7 +4566,7 @@
           <a:p>
             <a:fld id="{5D7A14FA-1E79-4B3C-A09F-9EFA5605D680}" type="datetimeFigureOut">
               <a:rPr lang="es-ES" smtClean="0"/>
-              <a:t>02/10/2018</a:t>
+              <a:t>04/10/2022</a:t>
             </a:fld>
             <a:endParaRPr lang="es-ES"/>
           </a:p>
@@ -4707,7 +4707,7 @@
           <a:p>
             <a:fld id="{5D7A14FA-1E79-4B3C-A09F-9EFA5605D680}" type="datetimeFigureOut">
               <a:rPr lang="es-ES" smtClean="0"/>
-              <a:t>02/10/2018</a:t>
+              <a:t>04/10/2022</a:t>
             </a:fld>
             <a:endParaRPr lang="es-ES"/>
           </a:p>
@@ -4820,7 +4820,7 @@
           <a:p>
             <a:fld id="{5D7A14FA-1E79-4B3C-A09F-9EFA5605D680}" type="datetimeFigureOut">
               <a:rPr lang="es-ES" smtClean="0"/>
-              <a:t>02/10/2018</a:t>
+              <a:t>04/10/2022</a:t>
             </a:fld>
             <a:endParaRPr lang="es-ES"/>
           </a:p>
@@ -5131,7 +5131,7 @@
           <a:p>
             <a:fld id="{5D7A14FA-1E79-4B3C-A09F-9EFA5605D680}" type="datetimeFigureOut">
               <a:rPr lang="es-ES" smtClean="0"/>
-              <a:t>02/10/2018</a:t>
+              <a:t>04/10/2022</a:t>
             </a:fld>
             <a:endParaRPr lang="es-ES"/>
           </a:p>
@@ -5419,7 +5419,7 @@
           <a:p>
             <a:fld id="{5D7A14FA-1E79-4B3C-A09F-9EFA5605D680}" type="datetimeFigureOut">
               <a:rPr lang="es-ES" smtClean="0"/>
-              <a:t>02/10/2018</a:t>
+              <a:t>04/10/2022</a:t>
             </a:fld>
             <a:endParaRPr lang="es-ES"/>
           </a:p>
@@ -5660,7 +5660,7 @@
           <a:p>
             <a:fld id="{5D7A14FA-1E79-4B3C-A09F-9EFA5605D680}" type="datetimeFigureOut">
               <a:rPr lang="es-ES" smtClean="0"/>
-              <a:t>02/10/2018</a:t>
+              <a:t>04/10/2022</a:t>
             </a:fld>
             <a:endParaRPr lang="es-ES"/>
           </a:p>
@@ -6802,8 +6802,12 @@
           <a:lstStyle/>
           <a:p>
             <a:r>
+              <a:rPr lang="es-ES" sz="2000" b="1" dirty="0" err="1"/>
+              <a:t>ElaNanguan</a:t>
+            </a:r>
+            <a:r>
               <a:rPr lang="es-ES" sz="2000" b="1" dirty="0"/>
-              <a:t>Ela, Nanguan, Alfonso Nguema</a:t>
+              <a:t>, Jose Luis Obiang</a:t>
             </a:r>
           </a:p>
         </p:txBody>
@@ -7495,7 +7499,7 @@
             <p:ph idx="1"/>
             <p:extLst>
               <p:ext uri="{D42A27DB-BD31-4B8C-83A1-F6EECF244321}">
-                <p14:modId xmlns:p14="http://schemas.microsoft.com/office/powerpoint/2010/main" val="2218867293"/>
+                <p14:modId xmlns:p14="http://schemas.microsoft.com/office/powerpoint/2010/main" val="1144525670"/>
               </p:ext>
             </p:extLst>
           </p:nvPr>
@@ -7550,7 +7554,7 @@
       </p:grpSpPr>
       <p:sp>
         <p:nvSpPr>
-          <p:cNvPr id="26" name="Rectangle 25">
+          <p:cNvPr id="31" name="Rectangle 30">
             <a:extLst>
               <a:ext uri="{FF2B5EF4-FFF2-40B4-BE49-F238E27FC236}">
                 <a16:creationId xmlns:a16="http://schemas.microsoft.com/office/drawing/2014/main" id="{71B2258F-86CA-4D4D-8270-BC05FCDEBFB3}"/>
@@ -7665,8 +7669,8 @@
         </p:nvSpPr>
         <p:spPr>
           <a:xfrm>
-            <a:off x="900331" y="1122362"/>
-            <a:ext cx="10846191" cy="2900518"/>
+            <a:off x="1524000" y="1122362"/>
+            <a:ext cx="9144000" cy="2900518"/>
           </a:xfrm>
         </p:spPr>
         <p:txBody>
@@ -7677,7 +7681,7 @@
           <a:p>
             <a:pPr algn="ctr"/>
             <a:r>
-              <a:rPr lang="en-US" sz="6600" dirty="0">
+              <a:rPr lang="en-US" sz="6000">
                 <a:solidFill>
                   <a:srgbClr val="FFFFFF"/>
                 </a:solidFill>
@@ -7719,7 +7723,7 @@
               <a:buNone/>
             </a:pPr>
             <a:r>
-              <a:rPr lang="en-US" dirty="0">
+              <a:rPr lang="en-US" sz="2400">
                 <a:solidFill>
                   <a:srgbClr val="FFFFFF"/>
                 </a:solidFill>
@@ -7739,6 +7743,98 @@
   <p:clrMapOvr>
     <a:overrideClrMapping bg1="dk1" tx1="lt1" bg2="dk2" tx2="lt2" accent1="accent1" accent2="accent2" accent3="accent3" accent4="accent4" accent5="accent5" accent6="accent6" hlink="hlink" folHlink="folHlink"/>
   </p:clrMapOvr>
+  <p:timing>
+    <p:tnLst>
+      <p:par>
+        <p:cTn id="1" dur="indefinite" restart="never" nodeType="tmRoot">
+          <p:childTnLst>
+            <p:seq concurrent="1" nextAc="seek">
+              <p:cTn id="2" dur="indefinite" nodeType="mainSeq">
+                <p:childTnLst>
+                  <p:par>
+                    <p:cTn id="3" fill="hold">
+                      <p:stCondLst>
+                        <p:cond delay="indefinite"/>
+                        <p:cond evt="onBegin" delay="0">
+                          <p:tn val="2"/>
+                        </p:cond>
+                      </p:stCondLst>
+                      <p:childTnLst>
+                        <p:par>
+                          <p:cTn id="4" fill="hold">
+                            <p:stCondLst>
+                              <p:cond delay="0"/>
+                            </p:stCondLst>
+                            <p:childTnLst>
+                              <p:par>
+                                <p:cTn id="5" presetID="10" presetClass="entr" presetSubtype="0" fill="hold" grpId="0" nodeType="withEffect">
+                                  <p:stCondLst>
+                                    <p:cond delay="1000"/>
+                                  </p:stCondLst>
+                                  <p:iterate>
+                                    <p:tmPct val="10000"/>
+                                  </p:iterate>
+                                  <p:childTnLst>
+                                    <p:set>
+                                      <p:cBhvr>
+                                        <p:cTn id="6" dur="1" fill="hold">
+                                          <p:stCondLst>
+                                            <p:cond delay="0"/>
+                                          </p:stCondLst>
+                                        </p:cTn>
+                                        <p:tgtEl>
+                                          <p:spTgt spid="2"/>
+                                        </p:tgtEl>
+                                        <p:attrNameLst>
+                                          <p:attrName>style.visibility</p:attrName>
+                                        </p:attrNameLst>
+                                      </p:cBhvr>
+                                      <p:to>
+                                        <p:strVal val="visible"/>
+                                      </p:to>
+                                    </p:set>
+                                    <p:animEffect transition="in" filter="fade">
+                                      <p:cBhvr>
+                                        <p:cTn id="7" dur="700"/>
+                                        <p:tgtEl>
+                                          <p:spTgt spid="2"/>
+                                        </p:tgtEl>
+                                      </p:cBhvr>
+                                    </p:animEffect>
+                                  </p:childTnLst>
+                                </p:cTn>
+                              </p:par>
+                            </p:childTnLst>
+                          </p:cTn>
+                        </p:par>
+                      </p:childTnLst>
+                    </p:cTn>
+                  </p:par>
+                </p:childTnLst>
+              </p:cTn>
+              <p:prevCondLst>
+                <p:cond evt="onPrev" delay="0">
+                  <p:tgtEl>
+                    <p:sldTgt/>
+                  </p:tgtEl>
+                </p:cond>
+              </p:prevCondLst>
+              <p:nextCondLst>
+                <p:cond evt="onNext" delay="0">
+                  <p:tgtEl>
+                    <p:sldTgt/>
+                  </p:tgtEl>
+                </p:cond>
+              </p:nextCondLst>
+            </p:seq>
+          </p:childTnLst>
+        </p:cTn>
+      </p:par>
+    </p:tnLst>
+    <p:bldLst>
+      <p:bldP spid="2" grpId="0"/>
+    </p:bldLst>
+  </p:timing>
 </p:sld>
 </file>
 
@@ -7769,120 +7865,10 @@
       </p:grpSpPr>
       <p:sp>
         <p:nvSpPr>
-          <p:cNvPr id="2" name="Título 1">
-            <a:extLst>
-              <a:ext uri="{FF2B5EF4-FFF2-40B4-BE49-F238E27FC236}">
-                <a16:creationId xmlns:a16="http://schemas.microsoft.com/office/drawing/2014/main" id="{D9217E15-F3E3-4509-9C99-BB1ECB7F7EE6}"/>
-              </a:ext>
-            </a:extLst>
-          </p:cNvPr>
-          <p:cNvSpPr>
-            <a:spLocks noGrp="1"/>
-          </p:cNvSpPr>
-          <p:nvPr>
-            <p:ph type="title"/>
-          </p:nvPr>
-        </p:nvSpPr>
-        <p:spPr>
-          <a:xfrm>
-            <a:off x="1136428" y="627564"/>
-            <a:ext cx="7474172" cy="1325563"/>
-          </a:xfrm>
-        </p:spPr>
-        <p:txBody>
-          <a:bodyPr>
-            <a:normAutofit/>
-          </a:bodyPr>
-          <a:lstStyle/>
-          <a:p>
-            <a:r>
-              <a:rPr lang="es-ES"/>
-              <a:t>Disciplinas relacionadas con mi App.</a:t>
-            </a:r>
-            <a:endParaRPr lang="es-ES" dirty="0"/>
-          </a:p>
-        </p:txBody>
-      </p:sp>
-      <p:sp>
-        <p:nvSpPr>
-          <p:cNvPr id="3" name="Marcador de contenido 2">
-            <a:extLst>
-              <a:ext uri="{FF2B5EF4-FFF2-40B4-BE49-F238E27FC236}">
-                <a16:creationId xmlns:a16="http://schemas.microsoft.com/office/drawing/2014/main" id="{C68D8CDE-7C84-44AA-8C94-4042DBAEEFB3}"/>
-              </a:ext>
-            </a:extLst>
-          </p:cNvPr>
-          <p:cNvSpPr>
-            <a:spLocks noGrp="1"/>
-          </p:cNvSpPr>
-          <p:nvPr>
-            <p:ph idx="1"/>
-          </p:nvPr>
-        </p:nvSpPr>
-        <p:spPr>
-          <a:xfrm>
-            <a:off x="1136429" y="2278173"/>
-            <a:ext cx="6467867" cy="3450613"/>
-          </a:xfrm>
-        </p:spPr>
-        <p:txBody>
-          <a:bodyPr anchor="ctr">
-            <a:normAutofit fontScale="92500" lnSpcReduction="10000"/>
-          </a:bodyPr>
-          <a:lstStyle/>
-          <a:p>
-            <a:r>
-              <a:rPr lang="es-ES" sz="2400" b="1"/>
-              <a:t>Programación:</a:t>
-            </a:r>
-          </a:p>
-          <a:p>
-            <a:pPr marL="0" indent="0">
-              <a:buNone/>
-            </a:pPr>
-            <a:r>
-              <a:rPr lang="es-ES" sz="2400"/>
-              <a:t>Es importante a la hora de crear la App, ya que permite decirle al ordenador lo que debe hacer y cómo debe hacerlo. Básicamente la App debe funcionar, no debe poner dificultades, </a:t>
-            </a:r>
-            <a:r>
-              <a:rPr lang="es-ES" sz="2400" b="1"/>
-              <a:t>debe ser eficiente</a:t>
-            </a:r>
-            <a:r>
-              <a:rPr lang="es-ES" sz="2400"/>
-              <a:t>.</a:t>
-            </a:r>
-          </a:p>
-          <a:p>
-            <a:pPr marL="0" indent="0">
-              <a:buNone/>
-            </a:pPr>
-            <a:endParaRPr lang="es-ES" sz="2400"/>
-          </a:p>
-          <a:p>
-            <a:r>
-              <a:rPr lang="es-ES" sz="2400" b="1"/>
-              <a:t>Ingeniería de Software:</a:t>
-            </a:r>
-          </a:p>
-          <a:p>
-            <a:pPr marL="0" indent="0">
-              <a:buNone/>
-            </a:pPr>
-            <a:r>
-              <a:rPr lang="es-ES" sz="2400"/>
-              <a:t>Con esta disciplina, junto a la de programación utilizamos procedimientos y técnicas para obtener un software (App) de calidad. </a:t>
-            </a:r>
-            <a:endParaRPr lang="es-ES" sz="2400" dirty="0"/>
-          </a:p>
-        </p:txBody>
-      </p:sp>
-      <p:sp>
-        <p:nvSpPr>
-          <p:cNvPr id="10" name="Rectangle 9">
-            <a:extLst>
-              <a:ext uri="{FF2B5EF4-FFF2-40B4-BE49-F238E27FC236}">
-                <a16:creationId xmlns:a16="http://schemas.microsoft.com/office/drawing/2014/main" id="{59A309A7-1751-4ABE-A3C1-EEC40366AD89}"/>
+          <p:cNvPr id="17" name="Rectangle 16">
+            <a:extLst>
+              <a:ext uri="{FF2B5EF4-FFF2-40B4-BE49-F238E27FC236}">
+                <a16:creationId xmlns:a16="http://schemas.microsoft.com/office/drawing/2014/main" id="{68A4132F-DEC6-4332-A00C-A11AD4519B6C}"/>
               </a:ext>
               <a:ext uri="{C183D7F6-B498-43B3-948B-1728B52AA6E4}">
                 <adec:decorative xmlns:adec="http://schemas.microsoft.com/office/drawing/2017/decorative" val="1"/>
@@ -7902,14 +7888,14 @@
         </p:nvSpPr>
         <p:spPr>
           <a:xfrm>
-            <a:off x="10088880" y="0"/>
-            <a:ext cx="2103120" cy="6858000"/>
+            <a:off x="1524" y="0"/>
+            <a:ext cx="12190476" cy="6858000"/>
           </a:xfrm>
           <a:prstGeom prst="rect">
             <a:avLst/>
           </a:prstGeom>
           <a:solidFill>
-            <a:schemeClr val="accent1"/>
+            <a:schemeClr val="tx1"/>
           </a:solidFill>
           <a:ln>
             <a:noFill/>
@@ -7942,10 +7928,10 @@
       </p:sp>
       <p:sp>
         <p:nvSpPr>
-          <p:cNvPr id="12" name="Oval 11">
-            <a:extLst>
-              <a:ext uri="{FF2B5EF4-FFF2-40B4-BE49-F238E27FC236}">
-                <a16:creationId xmlns:a16="http://schemas.microsoft.com/office/drawing/2014/main" id="{967D8EB6-EAE1-4F9C-B398-83321E287204}"/>
+          <p:cNvPr id="19" name="Freeform: Shape 18">
+            <a:extLst>
+              <a:ext uri="{FF2B5EF4-FFF2-40B4-BE49-F238E27FC236}">
+                <a16:creationId xmlns:a16="http://schemas.microsoft.com/office/drawing/2014/main" id="{9B38642C-62C4-4E31-A5D3-BB1DD8CA3942}"/>
               </a:ext>
               <a:ext uri="{C183D7F6-B498-43B3-948B-1728B52AA6E4}">
                 <adec:decorative xmlns:adec="http://schemas.microsoft.com/office/drawing/2017/decorative" val="1"/>
@@ -7965,19 +7951,120 @@
         </p:nvSpPr>
         <p:spPr>
           <a:xfrm>
-            <a:off x="8915400" y="2358913"/>
-            <a:ext cx="2140172" cy="2140172"/>
+            <a:off x="0" y="0"/>
+            <a:ext cx="8663583" cy="6858478"/>
           </a:xfrm>
-          <a:prstGeom prst="ellipse">
+          <a:custGeom>
             <a:avLst/>
-          </a:prstGeom>
+            <a:gdLst>
+              <a:gd name="connsiteX0" fmla="*/ 0 w 8663583"/>
+              <a:gd name="connsiteY0" fmla="*/ 0 h 6858478"/>
+              <a:gd name="connsiteX1" fmla="*/ 480486 w 8663583"/>
+              <a:gd name="connsiteY1" fmla="*/ 0 h 6858478"/>
+              <a:gd name="connsiteX2" fmla="*/ 4415403 w 8663583"/>
+              <a:gd name="connsiteY2" fmla="*/ 0 h 6858478"/>
+              <a:gd name="connsiteX3" fmla="*/ 5481631 w 8663583"/>
+              <a:gd name="connsiteY3" fmla="*/ 0 h 6858478"/>
+              <a:gd name="connsiteX4" fmla="*/ 5487208 w 8663583"/>
+              <a:gd name="connsiteY4" fmla="*/ 0 h 6858478"/>
+              <a:gd name="connsiteX5" fmla="*/ 8663583 w 8663583"/>
+              <a:gd name="connsiteY5" fmla="*/ 6858478 h 6858478"/>
+              <a:gd name="connsiteX6" fmla="*/ 1239028 w 8663583"/>
+              <a:gd name="connsiteY6" fmla="*/ 6858478 h 6858478"/>
+              <a:gd name="connsiteX7" fmla="*/ 1239288 w 8663583"/>
+              <a:gd name="connsiteY7" fmla="*/ 6857916 h 6858478"/>
+              <a:gd name="connsiteX8" fmla="*/ 480486 w 8663583"/>
+              <a:gd name="connsiteY8" fmla="*/ 6857916 h 6858478"/>
+              <a:gd name="connsiteX9" fmla="*/ 480486 w 8663583"/>
+              <a:gd name="connsiteY9" fmla="*/ 6858000 h 6858478"/>
+              <a:gd name="connsiteX10" fmla="*/ 0 w 8663583"/>
+              <a:gd name="connsiteY10" fmla="*/ 6858000 h 6858478"/>
+            </a:gdLst>
+            <a:ahLst/>
+            <a:cxnLst>
+              <a:cxn ang="0">
+                <a:pos x="connsiteX0" y="connsiteY0"/>
+              </a:cxn>
+              <a:cxn ang="0">
+                <a:pos x="connsiteX1" y="connsiteY1"/>
+              </a:cxn>
+              <a:cxn ang="0">
+                <a:pos x="connsiteX2" y="connsiteY2"/>
+              </a:cxn>
+              <a:cxn ang="0">
+                <a:pos x="connsiteX3" y="connsiteY3"/>
+              </a:cxn>
+              <a:cxn ang="0">
+                <a:pos x="connsiteX4" y="connsiteY4"/>
+              </a:cxn>
+              <a:cxn ang="0">
+                <a:pos x="connsiteX5" y="connsiteY5"/>
+              </a:cxn>
+              <a:cxn ang="0">
+                <a:pos x="connsiteX6" y="connsiteY6"/>
+              </a:cxn>
+              <a:cxn ang="0">
+                <a:pos x="connsiteX7" y="connsiteY7"/>
+              </a:cxn>
+              <a:cxn ang="0">
+                <a:pos x="connsiteX8" y="connsiteY8"/>
+              </a:cxn>
+              <a:cxn ang="0">
+                <a:pos x="connsiteX9" y="connsiteY9"/>
+              </a:cxn>
+              <a:cxn ang="0">
+                <a:pos x="connsiteX10" y="connsiteY10"/>
+              </a:cxn>
+            </a:cxnLst>
+            <a:rect l="l" t="t" r="r" b="b"/>
+            <a:pathLst>
+              <a:path w="8663583" h="6858478">
+                <a:moveTo>
+                  <a:pt x="0" y="0"/>
+                </a:moveTo>
+                <a:lnTo>
+                  <a:pt x="480486" y="0"/>
+                </a:lnTo>
+                <a:lnTo>
+                  <a:pt x="4415403" y="0"/>
+                </a:lnTo>
+                <a:lnTo>
+                  <a:pt x="5481631" y="0"/>
+                </a:lnTo>
+                <a:lnTo>
+                  <a:pt x="5487208" y="0"/>
+                </a:lnTo>
+                <a:lnTo>
+                  <a:pt x="8663583" y="6858478"/>
+                </a:lnTo>
+                <a:lnTo>
+                  <a:pt x="1239028" y="6858478"/>
+                </a:lnTo>
+                <a:lnTo>
+                  <a:pt x="1239288" y="6857916"/>
+                </a:lnTo>
+                <a:lnTo>
+                  <a:pt x="480486" y="6857916"/>
+                </a:lnTo>
+                <a:lnTo>
+                  <a:pt x="480486" y="6858000"/>
+                </a:lnTo>
+                <a:lnTo>
+                  <a:pt x="0" y="6858000"/>
+                </a:lnTo>
+                <a:close/>
+              </a:path>
+            </a:pathLst>
+          </a:custGeom>
           <a:solidFill>
-            <a:srgbClr val="FFFFFF"/>
+            <a:schemeClr val="bg1">
+              <a:lumMod val="85000"/>
+              <a:lumOff val="15000"/>
+              <a:alpha val="70000"/>
+            </a:schemeClr>
           </a:solidFill>
-          <a:ln w="22225">
-            <a:solidFill>
-              <a:schemeClr val="accent1"/>
-            </a:solidFill>
+          <a:ln>
+            <a:noFill/>
           </a:ln>
         </p:spPr>
         <p:style>
@@ -7997,11 +8084,296 @@
           </a:fontRef>
         </p:style>
         <p:txBody>
-          <a:bodyPr rtlCol="0" anchor="ctr"/>
+          <a:bodyPr wrap="square" rtlCol="0" anchor="ctr">
+            <a:noAutofit/>
+          </a:bodyPr>
           <a:lstStyle/>
           <a:p>
             <a:pPr algn="ctr"/>
             <a:endParaRPr lang="en-US"/>
+          </a:p>
+        </p:txBody>
+      </p:sp>
+      <p:sp>
+        <p:nvSpPr>
+          <p:cNvPr id="21" name="Freeform: Shape 20">
+            <a:extLst>
+              <a:ext uri="{FF2B5EF4-FFF2-40B4-BE49-F238E27FC236}">
+                <a16:creationId xmlns:a16="http://schemas.microsoft.com/office/drawing/2014/main" id="{A9F66240-8C38-4069-A5C9-2D3FCD97EDAD}"/>
+              </a:ext>
+              <a:ext uri="{C183D7F6-B498-43B3-948B-1728B52AA6E4}">
+                <adec:decorative xmlns:adec="http://schemas.microsoft.com/office/drawing/2017/decorative" val="1"/>
+              </a:ext>
+            </a:extLst>
+          </p:cNvPr>
+          <p:cNvSpPr>
+            <a:spLocks noGrp="1" noRot="1" noChangeAspect="1" noMove="1" noResize="1" noEditPoints="1" noAdjustHandles="1" noChangeArrowheads="1" noChangeShapeType="1" noTextEdit="1"/>
+          </p:cNvSpPr>
+          <p:nvPr>
+            <p:extLst>
+              <p:ext uri="{386F3935-93C4-4BCD-93E2-E3B085C9AB24}">
+                <p16:designElem xmlns:p16="http://schemas.microsoft.com/office/powerpoint/2015/main" val="1"/>
+              </p:ext>
+            </p:extLst>
+          </p:nvPr>
+        </p:nvSpPr>
+        <p:spPr>
+          <a:xfrm>
+            <a:off x="0" y="0"/>
+            <a:ext cx="8234957" cy="6858478"/>
+          </a:xfrm>
+          <a:custGeom>
+            <a:avLst/>
+            <a:gdLst>
+              <a:gd name="connsiteX0" fmla="*/ 156905 w 8234957"/>
+              <a:gd name="connsiteY0" fmla="*/ 0 h 6858478"/>
+              <a:gd name="connsiteX1" fmla="*/ 3986777 w 8234957"/>
+              <a:gd name="connsiteY1" fmla="*/ 0 h 6858478"/>
+              <a:gd name="connsiteX2" fmla="*/ 5053005 w 8234957"/>
+              <a:gd name="connsiteY2" fmla="*/ 0 h 6858478"/>
+              <a:gd name="connsiteX3" fmla="*/ 5058582 w 8234957"/>
+              <a:gd name="connsiteY3" fmla="*/ 0 h 6858478"/>
+              <a:gd name="connsiteX4" fmla="*/ 8234957 w 8234957"/>
+              <a:gd name="connsiteY4" fmla="*/ 6858478 h 6858478"/>
+              <a:gd name="connsiteX5" fmla="*/ 810402 w 8234957"/>
+              <a:gd name="connsiteY5" fmla="*/ 6858478 h 6858478"/>
+              <a:gd name="connsiteX6" fmla="*/ 810662 w 8234957"/>
+              <a:gd name="connsiteY6" fmla="*/ 6857916 h 6858478"/>
+              <a:gd name="connsiteX7" fmla="*/ 156905 w 8234957"/>
+              <a:gd name="connsiteY7" fmla="*/ 6857916 h 6858478"/>
+              <a:gd name="connsiteX8" fmla="*/ 156905 w 8234957"/>
+              <a:gd name="connsiteY8" fmla="*/ 6858478 h 6858478"/>
+              <a:gd name="connsiteX9" fmla="*/ 0 w 8234957"/>
+              <a:gd name="connsiteY9" fmla="*/ 6858478 h 6858478"/>
+              <a:gd name="connsiteX10" fmla="*/ 0 w 8234957"/>
+              <a:gd name="connsiteY10" fmla="*/ 479 h 6858478"/>
+              <a:gd name="connsiteX11" fmla="*/ 156905 w 8234957"/>
+              <a:gd name="connsiteY11" fmla="*/ 479 h 6858478"/>
+            </a:gdLst>
+            <a:ahLst/>
+            <a:cxnLst>
+              <a:cxn ang="0">
+                <a:pos x="connsiteX0" y="connsiteY0"/>
+              </a:cxn>
+              <a:cxn ang="0">
+                <a:pos x="connsiteX1" y="connsiteY1"/>
+              </a:cxn>
+              <a:cxn ang="0">
+                <a:pos x="connsiteX2" y="connsiteY2"/>
+              </a:cxn>
+              <a:cxn ang="0">
+                <a:pos x="connsiteX3" y="connsiteY3"/>
+              </a:cxn>
+              <a:cxn ang="0">
+                <a:pos x="connsiteX4" y="connsiteY4"/>
+              </a:cxn>
+              <a:cxn ang="0">
+                <a:pos x="connsiteX5" y="connsiteY5"/>
+              </a:cxn>
+              <a:cxn ang="0">
+                <a:pos x="connsiteX6" y="connsiteY6"/>
+              </a:cxn>
+              <a:cxn ang="0">
+                <a:pos x="connsiteX7" y="connsiteY7"/>
+              </a:cxn>
+              <a:cxn ang="0">
+                <a:pos x="connsiteX8" y="connsiteY8"/>
+              </a:cxn>
+              <a:cxn ang="0">
+                <a:pos x="connsiteX9" y="connsiteY9"/>
+              </a:cxn>
+              <a:cxn ang="0">
+                <a:pos x="connsiteX10" y="connsiteY10"/>
+              </a:cxn>
+              <a:cxn ang="0">
+                <a:pos x="connsiteX11" y="connsiteY11"/>
+              </a:cxn>
+            </a:cxnLst>
+            <a:rect l="l" t="t" r="r" b="b"/>
+            <a:pathLst>
+              <a:path w="8234957" h="6858478">
+                <a:moveTo>
+                  <a:pt x="156905" y="0"/>
+                </a:moveTo>
+                <a:lnTo>
+                  <a:pt x="3986777" y="0"/>
+                </a:lnTo>
+                <a:lnTo>
+                  <a:pt x="5053005" y="0"/>
+                </a:lnTo>
+                <a:lnTo>
+                  <a:pt x="5058582" y="0"/>
+                </a:lnTo>
+                <a:lnTo>
+                  <a:pt x="8234957" y="6858478"/>
+                </a:lnTo>
+                <a:lnTo>
+                  <a:pt x="810402" y="6858478"/>
+                </a:lnTo>
+                <a:lnTo>
+                  <a:pt x="810662" y="6857916"/>
+                </a:lnTo>
+                <a:lnTo>
+                  <a:pt x="156905" y="6857916"/>
+                </a:lnTo>
+                <a:lnTo>
+                  <a:pt x="156905" y="6858478"/>
+                </a:lnTo>
+                <a:lnTo>
+                  <a:pt x="0" y="6858478"/>
+                </a:lnTo>
+                <a:lnTo>
+                  <a:pt x="0" y="479"/>
+                </a:lnTo>
+                <a:lnTo>
+                  <a:pt x="156905" y="479"/>
+                </a:lnTo>
+                <a:close/>
+              </a:path>
+            </a:pathLst>
+          </a:custGeom>
+          <a:solidFill>
+            <a:schemeClr val="bg1">
+              <a:lumMod val="85000"/>
+              <a:lumOff val="15000"/>
+            </a:schemeClr>
+          </a:solidFill>
+          <a:ln>
+            <a:noFill/>
+          </a:ln>
+        </p:spPr>
+        <p:style>
+          <a:lnRef idx="2">
+            <a:schemeClr val="accent1">
+              <a:shade val="50000"/>
+            </a:schemeClr>
+          </a:lnRef>
+          <a:fillRef idx="1">
+            <a:schemeClr val="accent1"/>
+          </a:fillRef>
+          <a:effectRef idx="0">
+            <a:schemeClr val="accent1"/>
+          </a:effectRef>
+          <a:fontRef idx="minor">
+            <a:schemeClr val="lt1"/>
+          </a:fontRef>
+        </p:style>
+        <p:txBody>
+          <a:bodyPr wrap="square" rtlCol="0" anchor="ctr">
+            <a:noAutofit/>
+          </a:bodyPr>
+          <a:lstStyle/>
+          <a:p>
+            <a:pPr algn="ctr"/>
+            <a:endParaRPr lang="en-US"/>
+          </a:p>
+        </p:txBody>
+      </p:sp>
+      <p:sp>
+        <p:nvSpPr>
+          <p:cNvPr id="2" name="Título 1">
+            <a:extLst>
+              <a:ext uri="{FF2B5EF4-FFF2-40B4-BE49-F238E27FC236}">
+                <a16:creationId xmlns:a16="http://schemas.microsoft.com/office/drawing/2014/main" id="{D9217E15-F3E3-4509-9C99-BB1ECB7F7EE6}"/>
+              </a:ext>
+            </a:extLst>
+          </p:cNvPr>
+          <p:cNvSpPr>
+            <a:spLocks noGrp="1"/>
+          </p:cNvSpPr>
+          <p:nvPr>
+            <p:ph type="title"/>
+          </p:nvPr>
+        </p:nvSpPr>
+        <p:spPr>
+          <a:xfrm>
+            <a:off x="804672" y="365125"/>
+            <a:ext cx="4378881" cy="1325563"/>
+          </a:xfrm>
+        </p:spPr>
+        <p:txBody>
+          <a:bodyPr>
+            <a:normAutofit/>
+          </a:bodyPr>
+          <a:lstStyle/>
+          <a:p>
+            <a:r>
+              <a:rPr lang="es-ES" sz="3400"/>
+              <a:t>Disciplinas relacionadas con mi App.</a:t>
+            </a:r>
+          </a:p>
+        </p:txBody>
+      </p:sp>
+      <p:sp>
+        <p:nvSpPr>
+          <p:cNvPr id="3" name="Marcador de contenido 2">
+            <a:extLst>
+              <a:ext uri="{FF2B5EF4-FFF2-40B4-BE49-F238E27FC236}">
+                <a16:creationId xmlns:a16="http://schemas.microsoft.com/office/drawing/2014/main" id="{C68D8CDE-7C84-44AA-8C94-4042DBAEEFB3}"/>
+              </a:ext>
+            </a:extLst>
+          </p:cNvPr>
+          <p:cNvSpPr>
+            <a:spLocks noGrp="1"/>
+          </p:cNvSpPr>
+          <p:nvPr>
+            <p:ph idx="1"/>
+          </p:nvPr>
+        </p:nvSpPr>
+        <p:spPr>
+          <a:xfrm>
+            <a:off x="804672" y="2020824"/>
+            <a:ext cx="5076090" cy="4151376"/>
+          </a:xfrm>
+        </p:spPr>
+        <p:txBody>
+          <a:bodyPr>
+            <a:normAutofit/>
+          </a:bodyPr>
+          <a:lstStyle/>
+          <a:p>
+            <a:r>
+              <a:rPr lang="es-ES" sz="2000" b="1"/>
+              <a:t>Programación:</a:t>
+            </a:r>
+          </a:p>
+          <a:p>
+            <a:pPr marL="0" indent="0">
+              <a:buNone/>
+            </a:pPr>
+            <a:r>
+              <a:rPr lang="es-ES" sz="2000"/>
+              <a:t>Es importante a la hora de crear la App, ya que permite decirle al ordenador lo que debe hacer y cómo debe hacerlo. Básicamente la App debe funcionar, no debe poner dificultades, </a:t>
+            </a:r>
+            <a:r>
+              <a:rPr lang="es-ES" sz="2000" b="1"/>
+              <a:t>debe ser eficiente</a:t>
+            </a:r>
+            <a:r>
+              <a:rPr lang="es-ES" sz="2000"/>
+              <a:t>.</a:t>
+            </a:r>
+          </a:p>
+          <a:p>
+            <a:pPr marL="0" indent="0">
+              <a:buNone/>
+            </a:pPr>
+            <a:endParaRPr lang="es-ES" sz="2000"/>
+          </a:p>
+          <a:p>
+            <a:r>
+              <a:rPr lang="es-ES" sz="2000" b="1"/>
+              <a:t>Ingeniería de Software:</a:t>
+            </a:r>
+          </a:p>
+          <a:p>
+            <a:pPr marL="0" indent="0">
+              <a:buNone/>
+            </a:pPr>
+            <a:r>
+              <a:rPr lang="es-ES" sz="2000"/>
+              <a:t>Con esta disciplina, junto a la de programación utilizamos procedimientos y técnicas para obtener un software (App) de calidad. </a:t>
+            </a:r>
           </a:p>
         </p:txBody>
       </p:sp>
@@ -8036,8 +8408,8 @@
         </p:blipFill>
         <p:spPr>
           <a:xfrm>
-            <a:off x="9413987" y="2857501"/>
-            <a:ext cx="1142998" cy="1142998"/>
+            <a:off x="9058868" y="365125"/>
+            <a:ext cx="2820389" cy="2820389"/>
           </a:xfrm>
           <a:prstGeom prst="rect">
             <a:avLst/>
@@ -8066,8 +8438,8 @@
         </p:blipFill>
         <p:spPr>
           <a:xfrm>
-            <a:off x="9233243" y="2716823"/>
-            <a:ext cx="1504486" cy="1433145"/>
+            <a:off x="10044605" y="3429000"/>
+            <a:ext cx="1834652" cy="2414016"/>
           </a:xfrm>
           <a:prstGeom prst="rect">
             <a:avLst/>
@@ -8082,7 +8454,7 @@
     </p:extLst>
   </p:cSld>
   <p:clrMapOvr>
-    <a:masterClrMapping/>
+    <a:overrideClrMapping bg1="dk1" tx1="lt1" bg2="dk2" tx2="lt2" accent1="accent1" accent2="accent2" accent3="accent3" accent4="accent4" accent5="accent5" accent6="accent6" hlink="hlink" folHlink="folHlink"/>
   </p:clrMapOvr>
 </p:sld>
 </file>
@@ -8114,106 +8486,10 @@
       </p:grpSpPr>
       <p:sp>
         <p:nvSpPr>
-          <p:cNvPr id="2" name="Título 1">
-            <a:extLst>
-              <a:ext uri="{FF2B5EF4-FFF2-40B4-BE49-F238E27FC236}">
-                <a16:creationId xmlns:a16="http://schemas.microsoft.com/office/drawing/2014/main" id="{D9217E15-F3E3-4509-9C99-BB1ECB7F7EE6}"/>
-              </a:ext>
-            </a:extLst>
-          </p:cNvPr>
-          <p:cNvSpPr>
-            <a:spLocks noGrp="1"/>
-          </p:cNvSpPr>
-          <p:nvPr>
-            <p:ph type="title"/>
-          </p:nvPr>
-        </p:nvSpPr>
-        <p:spPr>
-          <a:xfrm>
-            <a:off x="1136428" y="627564"/>
-            <a:ext cx="7474172" cy="1325563"/>
-          </a:xfrm>
-        </p:spPr>
-        <p:txBody>
-          <a:bodyPr>
-            <a:normAutofit/>
-          </a:bodyPr>
-          <a:lstStyle/>
-          <a:p>
-            <a:r>
-              <a:rPr lang="es-ES" dirty="0"/>
-              <a:t>Disciplinas relacionadas con mi App.</a:t>
-            </a:r>
-          </a:p>
-        </p:txBody>
-      </p:sp>
-      <p:sp>
-        <p:nvSpPr>
-          <p:cNvPr id="3" name="Marcador de contenido 2">
-            <a:extLst>
-              <a:ext uri="{FF2B5EF4-FFF2-40B4-BE49-F238E27FC236}">
-                <a16:creationId xmlns:a16="http://schemas.microsoft.com/office/drawing/2014/main" id="{C68D8CDE-7C84-44AA-8C94-4042DBAEEFB3}"/>
-              </a:ext>
-            </a:extLst>
-          </p:cNvPr>
-          <p:cNvSpPr>
-            <a:spLocks noGrp="1"/>
-          </p:cNvSpPr>
-          <p:nvPr>
-            <p:ph idx="1"/>
-          </p:nvPr>
-        </p:nvSpPr>
-        <p:spPr>
-          <a:xfrm>
-            <a:off x="1136429" y="2278173"/>
-            <a:ext cx="6467867" cy="3450613"/>
-          </a:xfrm>
-        </p:spPr>
-        <p:txBody>
-          <a:bodyPr anchor="ctr">
-            <a:normAutofit/>
-          </a:bodyPr>
-          <a:lstStyle/>
-          <a:p>
-            <a:r>
-              <a:rPr lang="es-ES" sz="2400" b="1" dirty="0"/>
-              <a:t>Diseño Gráfico.</a:t>
-            </a:r>
-          </a:p>
-          <a:p>
-            <a:pPr marL="0" indent="0">
-              <a:buNone/>
-            </a:pPr>
-            <a:r>
-              <a:rPr lang="es-ES" sz="2400" dirty="0"/>
-              <a:t>Es una App y el diseño gráfico juega un papel muy importante. En ella, tratamos de emitir mensajes, mediante representaciones visuales, es decir, textos, fotografías, ilustraciones.</a:t>
-            </a:r>
-          </a:p>
-          <a:p>
-            <a:pPr marL="0" indent="0">
-              <a:buNone/>
-            </a:pPr>
-            <a:r>
-              <a:rPr lang="es-ES" sz="2400" dirty="0"/>
-              <a:t>Utilizada para conseguir que la App sea </a:t>
-            </a:r>
-            <a:r>
-              <a:rPr lang="es-ES" sz="2400" b="1" dirty="0"/>
-              <a:t>usable</a:t>
-            </a:r>
-            <a:r>
-              <a:rPr lang="es-ES" sz="2400" dirty="0"/>
-              <a:t>.</a:t>
-            </a:r>
-          </a:p>
-        </p:txBody>
-      </p:sp>
-      <p:sp>
-        <p:nvSpPr>
-          <p:cNvPr id="10" name="Rectangle 9">
-            <a:extLst>
-              <a:ext uri="{FF2B5EF4-FFF2-40B4-BE49-F238E27FC236}">
-                <a16:creationId xmlns:a16="http://schemas.microsoft.com/office/drawing/2014/main" id="{59A309A7-1751-4ABE-A3C1-EEC40366AD89}"/>
+          <p:cNvPr id="17" name="Rectangle 16">
+            <a:extLst>
+              <a:ext uri="{FF2B5EF4-FFF2-40B4-BE49-F238E27FC236}">
+                <a16:creationId xmlns:a16="http://schemas.microsoft.com/office/drawing/2014/main" id="{68A4132F-DEC6-4332-A00C-A11AD4519B6C}"/>
               </a:ext>
               <a:ext uri="{C183D7F6-B498-43B3-948B-1728B52AA6E4}">
                 <adec:decorative xmlns:adec="http://schemas.microsoft.com/office/drawing/2017/decorative" val="1"/>
@@ -8233,14 +8509,14 @@
         </p:nvSpPr>
         <p:spPr>
           <a:xfrm>
-            <a:off x="10088880" y="0"/>
-            <a:ext cx="2103120" cy="6858000"/>
+            <a:off x="1524" y="0"/>
+            <a:ext cx="12190476" cy="6858000"/>
           </a:xfrm>
           <a:prstGeom prst="rect">
             <a:avLst/>
           </a:prstGeom>
           <a:solidFill>
-            <a:schemeClr val="accent1"/>
+            <a:schemeClr val="tx1"/>
           </a:solidFill>
           <a:ln>
             <a:noFill/>
@@ -8273,10 +8549,10 @@
       </p:sp>
       <p:sp>
         <p:nvSpPr>
-          <p:cNvPr id="12" name="Oval 11">
-            <a:extLst>
-              <a:ext uri="{FF2B5EF4-FFF2-40B4-BE49-F238E27FC236}">
-                <a16:creationId xmlns:a16="http://schemas.microsoft.com/office/drawing/2014/main" id="{967D8EB6-EAE1-4F9C-B398-83321E287204}"/>
+          <p:cNvPr id="19" name="Freeform: Shape 18">
+            <a:extLst>
+              <a:ext uri="{FF2B5EF4-FFF2-40B4-BE49-F238E27FC236}">
+                <a16:creationId xmlns:a16="http://schemas.microsoft.com/office/drawing/2014/main" id="{9B38642C-62C4-4E31-A5D3-BB1DD8CA3942}"/>
               </a:ext>
               <a:ext uri="{C183D7F6-B498-43B3-948B-1728B52AA6E4}">
                 <adec:decorative xmlns:adec="http://schemas.microsoft.com/office/drawing/2017/decorative" val="1"/>
@@ -8296,19 +8572,120 @@
         </p:nvSpPr>
         <p:spPr>
           <a:xfrm>
-            <a:off x="8915400" y="2358913"/>
-            <a:ext cx="2140172" cy="2140172"/>
+            <a:off x="0" y="0"/>
+            <a:ext cx="8663583" cy="6858478"/>
           </a:xfrm>
-          <a:prstGeom prst="ellipse">
+          <a:custGeom>
             <a:avLst/>
-          </a:prstGeom>
+            <a:gdLst>
+              <a:gd name="connsiteX0" fmla="*/ 0 w 8663583"/>
+              <a:gd name="connsiteY0" fmla="*/ 0 h 6858478"/>
+              <a:gd name="connsiteX1" fmla="*/ 480486 w 8663583"/>
+              <a:gd name="connsiteY1" fmla="*/ 0 h 6858478"/>
+              <a:gd name="connsiteX2" fmla="*/ 4415403 w 8663583"/>
+              <a:gd name="connsiteY2" fmla="*/ 0 h 6858478"/>
+              <a:gd name="connsiteX3" fmla="*/ 5481631 w 8663583"/>
+              <a:gd name="connsiteY3" fmla="*/ 0 h 6858478"/>
+              <a:gd name="connsiteX4" fmla="*/ 5487208 w 8663583"/>
+              <a:gd name="connsiteY4" fmla="*/ 0 h 6858478"/>
+              <a:gd name="connsiteX5" fmla="*/ 8663583 w 8663583"/>
+              <a:gd name="connsiteY5" fmla="*/ 6858478 h 6858478"/>
+              <a:gd name="connsiteX6" fmla="*/ 1239028 w 8663583"/>
+              <a:gd name="connsiteY6" fmla="*/ 6858478 h 6858478"/>
+              <a:gd name="connsiteX7" fmla="*/ 1239288 w 8663583"/>
+              <a:gd name="connsiteY7" fmla="*/ 6857916 h 6858478"/>
+              <a:gd name="connsiteX8" fmla="*/ 480486 w 8663583"/>
+              <a:gd name="connsiteY8" fmla="*/ 6857916 h 6858478"/>
+              <a:gd name="connsiteX9" fmla="*/ 480486 w 8663583"/>
+              <a:gd name="connsiteY9" fmla="*/ 6858000 h 6858478"/>
+              <a:gd name="connsiteX10" fmla="*/ 0 w 8663583"/>
+              <a:gd name="connsiteY10" fmla="*/ 6858000 h 6858478"/>
+            </a:gdLst>
+            <a:ahLst/>
+            <a:cxnLst>
+              <a:cxn ang="0">
+                <a:pos x="connsiteX0" y="connsiteY0"/>
+              </a:cxn>
+              <a:cxn ang="0">
+                <a:pos x="connsiteX1" y="connsiteY1"/>
+              </a:cxn>
+              <a:cxn ang="0">
+                <a:pos x="connsiteX2" y="connsiteY2"/>
+              </a:cxn>
+              <a:cxn ang="0">
+                <a:pos x="connsiteX3" y="connsiteY3"/>
+              </a:cxn>
+              <a:cxn ang="0">
+                <a:pos x="connsiteX4" y="connsiteY4"/>
+              </a:cxn>
+              <a:cxn ang="0">
+                <a:pos x="connsiteX5" y="connsiteY5"/>
+              </a:cxn>
+              <a:cxn ang="0">
+                <a:pos x="connsiteX6" y="connsiteY6"/>
+              </a:cxn>
+              <a:cxn ang="0">
+                <a:pos x="connsiteX7" y="connsiteY7"/>
+              </a:cxn>
+              <a:cxn ang="0">
+                <a:pos x="connsiteX8" y="connsiteY8"/>
+              </a:cxn>
+              <a:cxn ang="0">
+                <a:pos x="connsiteX9" y="connsiteY9"/>
+              </a:cxn>
+              <a:cxn ang="0">
+                <a:pos x="connsiteX10" y="connsiteY10"/>
+              </a:cxn>
+            </a:cxnLst>
+            <a:rect l="l" t="t" r="r" b="b"/>
+            <a:pathLst>
+              <a:path w="8663583" h="6858478">
+                <a:moveTo>
+                  <a:pt x="0" y="0"/>
+                </a:moveTo>
+                <a:lnTo>
+                  <a:pt x="480486" y="0"/>
+                </a:lnTo>
+                <a:lnTo>
+                  <a:pt x="4415403" y="0"/>
+                </a:lnTo>
+                <a:lnTo>
+                  <a:pt x="5481631" y="0"/>
+                </a:lnTo>
+                <a:lnTo>
+                  <a:pt x="5487208" y="0"/>
+                </a:lnTo>
+                <a:lnTo>
+                  <a:pt x="8663583" y="6858478"/>
+                </a:lnTo>
+                <a:lnTo>
+                  <a:pt x="1239028" y="6858478"/>
+                </a:lnTo>
+                <a:lnTo>
+                  <a:pt x="1239288" y="6857916"/>
+                </a:lnTo>
+                <a:lnTo>
+                  <a:pt x="480486" y="6857916"/>
+                </a:lnTo>
+                <a:lnTo>
+                  <a:pt x="480486" y="6858000"/>
+                </a:lnTo>
+                <a:lnTo>
+                  <a:pt x="0" y="6858000"/>
+                </a:lnTo>
+                <a:close/>
+              </a:path>
+            </a:pathLst>
+          </a:custGeom>
           <a:solidFill>
-            <a:srgbClr val="FFFFFF"/>
+            <a:schemeClr val="bg1">
+              <a:lumMod val="85000"/>
+              <a:lumOff val="15000"/>
+              <a:alpha val="70000"/>
+            </a:schemeClr>
           </a:solidFill>
-          <a:ln w="22225">
-            <a:solidFill>
-              <a:schemeClr val="accent1"/>
-            </a:solidFill>
+          <a:ln>
+            <a:noFill/>
           </a:ln>
         </p:spPr>
         <p:style>
@@ -8328,11 +8705,284 @@
           </a:fontRef>
         </p:style>
         <p:txBody>
-          <a:bodyPr rtlCol="0" anchor="ctr"/>
+          <a:bodyPr wrap="square" rtlCol="0" anchor="ctr">
+            <a:noAutofit/>
+          </a:bodyPr>
           <a:lstStyle/>
           <a:p>
             <a:pPr algn="ctr"/>
             <a:endParaRPr lang="en-US"/>
+          </a:p>
+        </p:txBody>
+      </p:sp>
+      <p:sp>
+        <p:nvSpPr>
+          <p:cNvPr id="21" name="Freeform: Shape 20">
+            <a:extLst>
+              <a:ext uri="{FF2B5EF4-FFF2-40B4-BE49-F238E27FC236}">
+                <a16:creationId xmlns:a16="http://schemas.microsoft.com/office/drawing/2014/main" id="{A9F66240-8C38-4069-A5C9-2D3FCD97EDAD}"/>
+              </a:ext>
+              <a:ext uri="{C183D7F6-B498-43B3-948B-1728B52AA6E4}">
+                <adec:decorative xmlns:adec="http://schemas.microsoft.com/office/drawing/2017/decorative" val="1"/>
+              </a:ext>
+            </a:extLst>
+          </p:cNvPr>
+          <p:cNvSpPr>
+            <a:spLocks noGrp="1" noRot="1" noChangeAspect="1" noMove="1" noResize="1" noEditPoints="1" noAdjustHandles="1" noChangeArrowheads="1" noChangeShapeType="1" noTextEdit="1"/>
+          </p:cNvSpPr>
+          <p:nvPr>
+            <p:extLst>
+              <p:ext uri="{386F3935-93C4-4BCD-93E2-E3B085C9AB24}">
+                <p16:designElem xmlns:p16="http://schemas.microsoft.com/office/powerpoint/2015/main" val="1"/>
+              </p:ext>
+            </p:extLst>
+          </p:nvPr>
+        </p:nvSpPr>
+        <p:spPr>
+          <a:xfrm>
+            <a:off x="0" y="0"/>
+            <a:ext cx="8234957" cy="6858478"/>
+          </a:xfrm>
+          <a:custGeom>
+            <a:avLst/>
+            <a:gdLst>
+              <a:gd name="connsiteX0" fmla="*/ 156905 w 8234957"/>
+              <a:gd name="connsiteY0" fmla="*/ 0 h 6858478"/>
+              <a:gd name="connsiteX1" fmla="*/ 3986777 w 8234957"/>
+              <a:gd name="connsiteY1" fmla="*/ 0 h 6858478"/>
+              <a:gd name="connsiteX2" fmla="*/ 5053005 w 8234957"/>
+              <a:gd name="connsiteY2" fmla="*/ 0 h 6858478"/>
+              <a:gd name="connsiteX3" fmla="*/ 5058582 w 8234957"/>
+              <a:gd name="connsiteY3" fmla="*/ 0 h 6858478"/>
+              <a:gd name="connsiteX4" fmla="*/ 8234957 w 8234957"/>
+              <a:gd name="connsiteY4" fmla="*/ 6858478 h 6858478"/>
+              <a:gd name="connsiteX5" fmla="*/ 810402 w 8234957"/>
+              <a:gd name="connsiteY5" fmla="*/ 6858478 h 6858478"/>
+              <a:gd name="connsiteX6" fmla="*/ 810662 w 8234957"/>
+              <a:gd name="connsiteY6" fmla="*/ 6857916 h 6858478"/>
+              <a:gd name="connsiteX7" fmla="*/ 156905 w 8234957"/>
+              <a:gd name="connsiteY7" fmla="*/ 6857916 h 6858478"/>
+              <a:gd name="connsiteX8" fmla="*/ 156905 w 8234957"/>
+              <a:gd name="connsiteY8" fmla="*/ 6858478 h 6858478"/>
+              <a:gd name="connsiteX9" fmla="*/ 0 w 8234957"/>
+              <a:gd name="connsiteY9" fmla="*/ 6858478 h 6858478"/>
+              <a:gd name="connsiteX10" fmla="*/ 0 w 8234957"/>
+              <a:gd name="connsiteY10" fmla="*/ 479 h 6858478"/>
+              <a:gd name="connsiteX11" fmla="*/ 156905 w 8234957"/>
+              <a:gd name="connsiteY11" fmla="*/ 479 h 6858478"/>
+            </a:gdLst>
+            <a:ahLst/>
+            <a:cxnLst>
+              <a:cxn ang="0">
+                <a:pos x="connsiteX0" y="connsiteY0"/>
+              </a:cxn>
+              <a:cxn ang="0">
+                <a:pos x="connsiteX1" y="connsiteY1"/>
+              </a:cxn>
+              <a:cxn ang="0">
+                <a:pos x="connsiteX2" y="connsiteY2"/>
+              </a:cxn>
+              <a:cxn ang="0">
+                <a:pos x="connsiteX3" y="connsiteY3"/>
+              </a:cxn>
+              <a:cxn ang="0">
+                <a:pos x="connsiteX4" y="connsiteY4"/>
+              </a:cxn>
+              <a:cxn ang="0">
+                <a:pos x="connsiteX5" y="connsiteY5"/>
+              </a:cxn>
+              <a:cxn ang="0">
+                <a:pos x="connsiteX6" y="connsiteY6"/>
+              </a:cxn>
+              <a:cxn ang="0">
+                <a:pos x="connsiteX7" y="connsiteY7"/>
+              </a:cxn>
+              <a:cxn ang="0">
+                <a:pos x="connsiteX8" y="connsiteY8"/>
+              </a:cxn>
+              <a:cxn ang="0">
+                <a:pos x="connsiteX9" y="connsiteY9"/>
+              </a:cxn>
+              <a:cxn ang="0">
+                <a:pos x="connsiteX10" y="connsiteY10"/>
+              </a:cxn>
+              <a:cxn ang="0">
+                <a:pos x="connsiteX11" y="connsiteY11"/>
+              </a:cxn>
+            </a:cxnLst>
+            <a:rect l="l" t="t" r="r" b="b"/>
+            <a:pathLst>
+              <a:path w="8234957" h="6858478">
+                <a:moveTo>
+                  <a:pt x="156905" y="0"/>
+                </a:moveTo>
+                <a:lnTo>
+                  <a:pt x="3986777" y="0"/>
+                </a:lnTo>
+                <a:lnTo>
+                  <a:pt x="5053005" y="0"/>
+                </a:lnTo>
+                <a:lnTo>
+                  <a:pt x="5058582" y="0"/>
+                </a:lnTo>
+                <a:lnTo>
+                  <a:pt x="8234957" y="6858478"/>
+                </a:lnTo>
+                <a:lnTo>
+                  <a:pt x="810402" y="6858478"/>
+                </a:lnTo>
+                <a:lnTo>
+                  <a:pt x="810662" y="6857916"/>
+                </a:lnTo>
+                <a:lnTo>
+                  <a:pt x="156905" y="6857916"/>
+                </a:lnTo>
+                <a:lnTo>
+                  <a:pt x="156905" y="6858478"/>
+                </a:lnTo>
+                <a:lnTo>
+                  <a:pt x="0" y="6858478"/>
+                </a:lnTo>
+                <a:lnTo>
+                  <a:pt x="0" y="479"/>
+                </a:lnTo>
+                <a:lnTo>
+                  <a:pt x="156905" y="479"/>
+                </a:lnTo>
+                <a:close/>
+              </a:path>
+            </a:pathLst>
+          </a:custGeom>
+          <a:solidFill>
+            <a:schemeClr val="bg1">
+              <a:lumMod val="85000"/>
+              <a:lumOff val="15000"/>
+            </a:schemeClr>
+          </a:solidFill>
+          <a:ln>
+            <a:noFill/>
+          </a:ln>
+        </p:spPr>
+        <p:style>
+          <a:lnRef idx="2">
+            <a:schemeClr val="accent1">
+              <a:shade val="50000"/>
+            </a:schemeClr>
+          </a:lnRef>
+          <a:fillRef idx="1">
+            <a:schemeClr val="accent1"/>
+          </a:fillRef>
+          <a:effectRef idx="0">
+            <a:schemeClr val="accent1"/>
+          </a:effectRef>
+          <a:fontRef idx="minor">
+            <a:schemeClr val="lt1"/>
+          </a:fontRef>
+        </p:style>
+        <p:txBody>
+          <a:bodyPr wrap="square" rtlCol="0" anchor="ctr">
+            <a:noAutofit/>
+          </a:bodyPr>
+          <a:lstStyle/>
+          <a:p>
+            <a:pPr algn="ctr"/>
+            <a:endParaRPr lang="en-US"/>
+          </a:p>
+        </p:txBody>
+      </p:sp>
+      <p:sp>
+        <p:nvSpPr>
+          <p:cNvPr id="2" name="Título 1">
+            <a:extLst>
+              <a:ext uri="{FF2B5EF4-FFF2-40B4-BE49-F238E27FC236}">
+                <a16:creationId xmlns:a16="http://schemas.microsoft.com/office/drawing/2014/main" id="{D9217E15-F3E3-4509-9C99-BB1ECB7F7EE6}"/>
+              </a:ext>
+            </a:extLst>
+          </p:cNvPr>
+          <p:cNvSpPr>
+            <a:spLocks noGrp="1"/>
+          </p:cNvSpPr>
+          <p:nvPr>
+            <p:ph type="title"/>
+          </p:nvPr>
+        </p:nvSpPr>
+        <p:spPr>
+          <a:xfrm>
+            <a:off x="804672" y="365125"/>
+            <a:ext cx="4378881" cy="1325563"/>
+          </a:xfrm>
+        </p:spPr>
+        <p:txBody>
+          <a:bodyPr>
+            <a:normAutofit/>
+          </a:bodyPr>
+          <a:lstStyle/>
+          <a:p>
+            <a:r>
+              <a:rPr lang="es-ES" sz="3400"/>
+              <a:t>Disciplinas relacionadas con mi App.</a:t>
+            </a:r>
+          </a:p>
+        </p:txBody>
+      </p:sp>
+      <p:sp>
+        <p:nvSpPr>
+          <p:cNvPr id="3" name="Marcador de contenido 2">
+            <a:extLst>
+              <a:ext uri="{FF2B5EF4-FFF2-40B4-BE49-F238E27FC236}">
+                <a16:creationId xmlns:a16="http://schemas.microsoft.com/office/drawing/2014/main" id="{C68D8CDE-7C84-44AA-8C94-4042DBAEEFB3}"/>
+              </a:ext>
+            </a:extLst>
+          </p:cNvPr>
+          <p:cNvSpPr>
+            <a:spLocks noGrp="1"/>
+          </p:cNvSpPr>
+          <p:nvPr>
+            <p:ph idx="1"/>
+          </p:nvPr>
+        </p:nvSpPr>
+        <p:spPr>
+          <a:xfrm>
+            <a:off x="804672" y="2020824"/>
+            <a:ext cx="5076090" cy="4151376"/>
+          </a:xfrm>
+        </p:spPr>
+        <p:txBody>
+          <a:bodyPr>
+            <a:normAutofit/>
+          </a:bodyPr>
+          <a:lstStyle/>
+          <a:p>
+            <a:r>
+              <a:rPr lang="es-ES" sz="2000" b="1"/>
+              <a:t>Diseño Gráfico.</a:t>
+            </a:r>
+          </a:p>
+          <a:p>
+            <a:pPr marL="0" indent="0">
+              <a:buNone/>
+            </a:pPr>
+            <a:r>
+              <a:rPr lang="es-ES" sz="2000"/>
+              <a:t>Es una App y el diseño gráfico juega un papel muy importante. En ella, tratamos de emitir mensajes, mediante representaciones visuales, es decir, textos, fotografías, ilustraciones.</a:t>
+            </a:r>
+          </a:p>
+          <a:p>
+            <a:pPr marL="0" indent="0">
+              <a:buNone/>
+            </a:pPr>
+            <a:r>
+              <a:rPr lang="es-ES" sz="2000"/>
+              <a:t>Utilizada para conseguir que la App sea </a:t>
+            </a:r>
+            <a:r>
+              <a:rPr lang="es-ES" sz="2000" b="1"/>
+              <a:t>usable</a:t>
+            </a:r>
+            <a:r>
+              <a:rPr lang="es-ES" sz="2000"/>
+              <a:t>.</a:t>
+            </a:r>
           </a:p>
         </p:txBody>
       </p:sp>
@@ -8367,8 +9017,8 @@
         </p:blipFill>
         <p:spPr>
           <a:xfrm>
-            <a:off x="9413987" y="2857501"/>
-            <a:ext cx="1142998" cy="1142998"/>
+            <a:off x="9058868" y="365125"/>
+            <a:ext cx="2820389" cy="2820389"/>
           </a:xfrm>
           <a:prstGeom prst="rect">
             <a:avLst/>
@@ -8397,8 +9047,8 @@
         </p:blipFill>
         <p:spPr>
           <a:xfrm>
-            <a:off x="9233243" y="2716823"/>
-            <a:ext cx="1504486" cy="1433145"/>
+            <a:off x="10044605" y="3429000"/>
+            <a:ext cx="1834652" cy="2414016"/>
           </a:xfrm>
           <a:prstGeom prst="rect">
             <a:avLst/>
@@ -8413,7 +9063,7 @@
     </p:extLst>
   </p:cSld>
   <p:clrMapOvr>
-    <a:masterClrMapping/>
+    <a:overrideClrMapping bg1="dk1" tx1="lt1" bg2="dk2" tx2="lt2" accent1="accent1" accent2="accent2" accent3="accent3" accent4="accent4" accent5="accent5" accent6="accent6" hlink="hlink" folHlink="folHlink"/>
   </p:clrMapOvr>
 </p:sld>
 </file>
@@ -8445,122 +9095,10 @@
       </p:grpSpPr>
       <p:sp>
         <p:nvSpPr>
-          <p:cNvPr id="2" name="Título 1">
-            <a:extLst>
-              <a:ext uri="{FF2B5EF4-FFF2-40B4-BE49-F238E27FC236}">
-                <a16:creationId xmlns:a16="http://schemas.microsoft.com/office/drawing/2014/main" id="{D9217E15-F3E3-4509-9C99-BB1ECB7F7EE6}"/>
-              </a:ext>
-            </a:extLst>
-          </p:cNvPr>
-          <p:cNvSpPr>
-            <a:spLocks noGrp="1"/>
-          </p:cNvSpPr>
-          <p:nvPr>
-            <p:ph type="title"/>
-          </p:nvPr>
-        </p:nvSpPr>
-        <p:spPr>
-          <a:xfrm>
-            <a:off x="1136428" y="627564"/>
-            <a:ext cx="7474172" cy="1325563"/>
-          </a:xfrm>
-        </p:spPr>
-        <p:txBody>
-          <a:bodyPr>
-            <a:normAutofit/>
-          </a:bodyPr>
-          <a:lstStyle/>
-          <a:p>
-            <a:r>
-              <a:rPr lang="es-ES" dirty="0"/>
-              <a:t>Disciplinas relacionadas con mi App.</a:t>
-            </a:r>
-          </a:p>
-        </p:txBody>
-      </p:sp>
-      <p:sp>
-        <p:nvSpPr>
-          <p:cNvPr id="3" name="Marcador de contenido 2">
-            <a:extLst>
-              <a:ext uri="{FF2B5EF4-FFF2-40B4-BE49-F238E27FC236}">
-                <a16:creationId xmlns:a16="http://schemas.microsoft.com/office/drawing/2014/main" id="{C68D8CDE-7C84-44AA-8C94-4042DBAEEFB3}"/>
-              </a:ext>
-            </a:extLst>
-          </p:cNvPr>
-          <p:cNvSpPr>
-            <a:spLocks noGrp="1"/>
-          </p:cNvSpPr>
-          <p:nvPr>
-            <p:ph idx="1"/>
-          </p:nvPr>
-        </p:nvSpPr>
-        <p:spPr>
-          <a:xfrm>
-            <a:off x="1136429" y="2201779"/>
-            <a:ext cx="6467867" cy="3527007"/>
-          </a:xfrm>
-        </p:spPr>
-        <p:txBody>
-          <a:bodyPr anchor="ctr">
-            <a:normAutofit fontScale="92500" lnSpcReduction="20000"/>
-          </a:bodyPr>
-          <a:lstStyle/>
-          <a:p>
-            <a:endParaRPr lang="es-ES" sz="2400" b="1" dirty="0"/>
-          </a:p>
-          <a:p>
-            <a:r>
-              <a:rPr lang="es-ES" sz="2400" b="1" dirty="0"/>
-              <a:t>Psicología:</a:t>
-            </a:r>
-          </a:p>
-          <a:p>
-            <a:pPr marL="0" indent="0">
-              <a:buNone/>
-            </a:pPr>
-            <a:r>
-              <a:rPr lang="es-ES" sz="2400" dirty="0"/>
-              <a:t>Usamos métodos y herramientas para evaluar el grado de  satisfacción de las personas con el diseño de la interfaz.</a:t>
-            </a:r>
-          </a:p>
-          <a:p>
-            <a:pPr marL="0" indent="0">
-              <a:buNone/>
-            </a:pPr>
-            <a:endParaRPr lang="es-ES" sz="2400" dirty="0"/>
-          </a:p>
-          <a:p>
-            <a:r>
-              <a:rPr lang="es-ES" sz="2400" b="1" dirty="0"/>
-              <a:t>Ergonomía:</a:t>
-            </a:r>
-          </a:p>
-          <a:p>
-            <a:pPr marL="0" indent="0">
-              <a:buNone/>
-            </a:pPr>
-            <a:r>
-              <a:rPr lang="es-ES" sz="2400" dirty="0"/>
-              <a:t>Con esta disciplina aumentamos la sensación de confort y satisfacción para los usuarios, aumentando la seguridad, fiabilidad y eficiencia a la hora de interactuar con ella.</a:t>
-            </a:r>
-          </a:p>
-          <a:p>
-            <a:pPr marL="0" indent="0">
-              <a:buNone/>
-            </a:pPr>
-            <a:endParaRPr lang="es-ES" sz="2400" dirty="0"/>
-          </a:p>
-          <a:p>
-            <a:endParaRPr lang="es-ES" sz="2400" dirty="0"/>
-          </a:p>
-        </p:txBody>
-      </p:sp>
-      <p:sp>
-        <p:nvSpPr>
-          <p:cNvPr id="10" name="Rectangle 9">
-            <a:extLst>
-              <a:ext uri="{FF2B5EF4-FFF2-40B4-BE49-F238E27FC236}">
-                <a16:creationId xmlns:a16="http://schemas.microsoft.com/office/drawing/2014/main" id="{59A309A7-1751-4ABE-A3C1-EEC40366AD89}"/>
+          <p:cNvPr id="17" name="Rectangle 16">
+            <a:extLst>
+              <a:ext uri="{FF2B5EF4-FFF2-40B4-BE49-F238E27FC236}">
+                <a16:creationId xmlns:a16="http://schemas.microsoft.com/office/drawing/2014/main" id="{4038CB10-1F5C-4D54-9DF7-12586DE5B007}"/>
               </a:ext>
               <a:ext uri="{C183D7F6-B498-43B3-948B-1728B52AA6E4}">
                 <adec:decorative xmlns:adec="http://schemas.microsoft.com/office/drawing/2017/decorative" val="1"/>
@@ -8580,14 +9118,14 @@
         </p:nvSpPr>
         <p:spPr>
           <a:xfrm>
-            <a:off x="10088880" y="0"/>
-            <a:ext cx="2103120" cy="6858000"/>
+            <a:off x="327546" y="321732"/>
+            <a:ext cx="7058307" cy="1964266"/>
           </a:xfrm>
           <a:prstGeom prst="rect">
             <a:avLst/>
           </a:prstGeom>
           <a:solidFill>
-            <a:schemeClr val="accent1"/>
+            <a:srgbClr val="374550"/>
           </a:solidFill>
           <a:ln>
             <a:noFill/>
@@ -8613,17 +9151,85 @@
           <a:bodyPr rtlCol="0" anchor="ctr"/>
           <a:lstStyle/>
           <a:p>
-            <a:pPr algn="ctr"/>
-            <a:endParaRPr lang="en-US"/>
+            <a:pPr marL="0" marR="0" lvl="0" indent="0" algn="ctr" defTabSz="914400" rtl="0" eaLnBrk="1" fontAlgn="auto" latinLnBrk="0" hangingPunct="1">
+              <a:lnSpc>
+                <a:spcPct val="100000"/>
+              </a:lnSpc>
+              <a:spcBef>
+                <a:spcPts val="0"/>
+              </a:spcBef>
+              <a:spcAft>
+                <a:spcPts val="0"/>
+              </a:spcAft>
+              <a:buClrTx/>
+              <a:buSzTx/>
+              <a:buFontTx/>
+              <a:buNone/>
+              <a:tabLst/>
+              <a:defRPr/>
+            </a:pPr>
+            <a:endParaRPr kumimoji="0" lang="en-US" sz="1800" b="0" i="0" u="none" strike="noStrike" kern="1200" cap="none" spc="0" normalizeH="0" baseline="0" noProof="0">
+              <a:ln>
+                <a:noFill/>
+              </a:ln>
+              <a:solidFill>
+                <a:prstClr val="white"/>
+              </a:solidFill>
+              <a:effectLst/>
+              <a:uLnTx/>
+              <a:uFillTx/>
+              <a:latin typeface="Calibri" panose="020F0502020204030204"/>
+              <a:ea typeface="+mn-ea"/>
+              <a:cs typeface="+mn-cs"/>
+            </a:endParaRPr>
           </a:p>
         </p:txBody>
       </p:sp>
       <p:sp>
         <p:nvSpPr>
-          <p:cNvPr id="12" name="Oval 11">
-            <a:extLst>
-              <a:ext uri="{FF2B5EF4-FFF2-40B4-BE49-F238E27FC236}">
-                <a16:creationId xmlns:a16="http://schemas.microsoft.com/office/drawing/2014/main" id="{967D8EB6-EAE1-4F9C-B398-83321E287204}"/>
+          <p:cNvPr id="2" name="Título 1">
+            <a:extLst>
+              <a:ext uri="{FF2B5EF4-FFF2-40B4-BE49-F238E27FC236}">
+                <a16:creationId xmlns:a16="http://schemas.microsoft.com/office/drawing/2014/main" id="{D9217E15-F3E3-4509-9C99-BB1ECB7F7EE6}"/>
+              </a:ext>
+            </a:extLst>
+          </p:cNvPr>
+          <p:cNvSpPr>
+            <a:spLocks noGrp="1"/>
+          </p:cNvSpPr>
+          <p:nvPr>
+            <p:ph type="title"/>
+          </p:nvPr>
+        </p:nvSpPr>
+        <p:spPr>
+          <a:xfrm>
+            <a:off x="524256" y="491260"/>
+            <a:ext cx="6594189" cy="1625210"/>
+          </a:xfrm>
+        </p:spPr>
+        <p:txBody>
+          <a:bodyPr>
+            <a:normAutofit/>
+          </a:bodyPr>
+          <a:lstStyle/>
+          <a:p>
+            <a:r>
+              <a:rPr lang="es-ES">
+                <a:solidFill>
+                  <a:srgbClr val="FFFFFF"/>
+                </a:solidFill>
+              </a:rPr>
+              <a:t>Disciplinas relacionadas con mi App.</a:t>
+            </a:r>
+          </a:p>
+        </p:txBody>
+      </p:sp>
+      <p:sp>
+        <p:nvSpPr>
+          <p:cNvPr id="19" name="Rectangle 18">
+            <a:extLst>
+              <a:ext uri="{FF2B5EF4-FFF2-40B4-BE49-F238E27FC236}">
+                <a16:creationId xmlns:a16="http://schemas.microsoft.com/office/drawing/2014/main" id="{33B81349-3A7E-4A66-9ED9-66E6F8E29C4A}"/>
               </a:ext>
               <a:ext uri="{C183D7F6-B498-43B3-948B-1728B52AA6E4}">
                 <adec:decorative xmlns:adec="http://schemas.microsoft.com/office/drawing/2017/decorative" val="1"/>
@@ -8643,19 +9249,19 @@
         </p:nvSpPr>
         <p:spPr>
           <a:xfrm>
-            <a:off x="8915400" y="2358913"/>
-            <a:ext cx="2140172" cy="2140172"/>
+            <a:off x="329183" y="2454901"/>
+            <a:ext cx="3441163" cy="4080255"/>
           </a:xfrm>
-          <a:prstGeom prst="ellipse">
+          <a:prstGeom prst="rect">
             <a:avLst/>
           </a:prstGeom>
           <a:solidFill>
-            <a:srgbClr val="FFFFFF"/>
+            <a:srgbClr val="FF3600">
+              <a:alpha val="20000"/>
+            </a:srgbClr>
           </a:solidFill>
-          <a:ln w="22225">
-            <a:solidFill>
-              <a:schemeClr val="accent1"/>
-            </a:solidFill>
+          <a:ln w="25400">
+            <a:noFill/>
           </a:ln>
         </p:spPr>
         <p:style>
@@ -8678,17 +9284,46 @@
           <a:bodyPr rtlCol="0" anchor="ctr"/>
           <a:lstStyle/>
           <a:p>
-            <a:pPr algn="ctr"/>
-            <a:endParaRPr lang="en-US"/>
+            <a:pPr marL="0" marR="0" lvl="0" indent="0" algn="ctr" defTabSz="914400" rtl="0" eaLnBrk="1" fontAlgn="auto" latinLnBrk="0" hangingPunct="1">
+              <a:lnSpc>
+                <a:spcPct val="100000"/>
+              </a:lnSpc>
+              <a:spcBef>
+                <a:spcPts val="0"/>
+              </a:spcBef>
+              <a:spcAft>
+                <a:spcPts val="0"/>
+              </a:spcAft>
+              <a:buClrTx/>
+              <a:buSzTx/>
+              <a:buFontTx/>
+              <a:buNone/>
+              <a:tabLst/>
+              <a:defRPr/>
+            </a:pPr>
+            <a:endParaRPr kumimoji="0" lang="en-US" sz="1800" b="0" i="0" u="none" strike="noStrike" kern="1200" cap="none" spc="0" normalizeH="0" baseline="0" noProof="0">
+              <a:ln>
+                <a:noFill/>
+              </a:ln>
+              <a:solidFill>
+                <a:srgbClr val="FFFFFF"/>
+              </a:solidFill>
+              <a:effectLst/>
+              <a:uLnTx/>
+              <a:uFillTx/>
+              <a:latin typeface="Calibri" panose="020F0502020204030204"/>
+              <a:ea typeface="+mn-ea"/>
+              <a:cs typeface="+mn-cs"/>
+            </a:endParaRPr>
           </a:p>
         </p:txBody>
       </p:sp>
       <p:pic>
         <p:nvPicPr>
-          <p:cNvPr id="7" name="Graphic 6">
-            <a:extLst>
-              <a:ext uri="{FF2B5EF4-FFF2-40B4-BE49-F238E27FC236}">
-                <a16:creationId xmlns:a16="http://schemas.microsoft.com/office/drawing/2014/main" id="{C0EF7036-2C5A-43EB-B68E-4D4545CA4943}"/>
+          <p:cNvPr id="4" name="Imagen 3">
+            <a:extLst>
+              <a:ext uri="{FF2B5EF4-FFF2-40B4-BE49-F238E27FC236}">
+                <a16:creationId xmlns:a16="http://schemas.microsoft.com/office/drawing/2014/main" id="{7E513351-D589-484E-A75A-C5BC60A63AD4}"/>
               </a:ext>
             </a:extLst>
           </p:cNvPr>
@@ -8698,13 +9333,137 @@
           <p:nvPr/>
         </p:nvPicPr>
         <p:blipFill>
-          <a:blip r:embed="rId2">
+          <a:blip r:embed="rId2"/>
+          <a:stretch>
+            <a:fillRect/>
+          </a:stretch>
+        </p:blipFill>
+        <p:spPr>
+          <a:xfrm>
+            <a:off x="676523" y="2667954"/>
+            <a:ext cx="2762822" cy="3635293"/>
+          </a:xfrm>
+          <a:prstGeom prst="rect">
+            <a:avLst/>
+          </a:prstGeom>
+        </p:spPr>
+      </p:pic>
+      <p:sp>
+        <p:nvSpPr>
+          <p:cNvPr id="21" name="Rectangle 20">
+            <a:extLst>
+              <a:ext uri="{FF2B5EF4-FFF2-40B4-BE49-F238E27FC236}">
+                <a16:creationId xmlns:a16="http://schemas.microsoft.com/office/drawing/2014/main" id="{4A37A7FF-19A5-40D8-8D0C-E780CBD33087}"/>
+              </a:ext>
+              <a:ext uri="{C183D7F6-B498-43B3-948B-1728B52AA6E4}">
+                <adec:decorative xmlns:adec="http://schemas.microsoft.com/office/drawing/2017/decorative" val="1"/>
+              </a:ext>
+            </a:extLst>
+          </p:cNvPr>
+          <p:cNvSpPr>
+            <a:spLocks noGrp="1" noRot="1" noChangeAspect="1" noMove="1" noResize="1" noEditPoints="1" noAdjustHandles="1" noChangeArrowheads="1" noChangeShapeType="1" noTextEdit="1"/>
+          </p:cNvSpPr>
+          <p:nvPr>
+            <p:extLst>
+              <p:ext uri="{386F3935-93C4-4BCD-93E2-E3B085C9AB24}">
+                <p16:designElem xmlns:p16="http://schemas.microsoft.com/office/powerpoint/2015/main" val="1"/>
+              </p:ext>
+            </p:extLst>
+          </p:nvPr>
+        </p:nvSpPr>
+        <p:spPr>
+          <a:xfrm>
+            <a:off x="3941468" y="2454900"/>
+            <a:ext cx="3441163" cy="4080255"/>
+          </a:xfrm>
+          <a:prstGeom prst="rect">
+            <a:avLst/>
+          </a:prstGeom>
+          <a:solidFill>
+            <a:srgbClr val="FF3600">
+              <a:alpha val="20000"/>
+            </a:srgbClr>
+          </a:solidFill>
+          <a:ln w="25400">
+            <a:noFill/>
+          </a:ln>
+        </p:spPr>
+        <p:style>
+          <a:lnRef idx="2">
+            <a:schemeClr val="accent1">
+              <a:shade val="50000"/>
+            </a:schemeClr>
+          </a:lnRef>
+          <a:fillRef idx="1">
+            <a:schemeClr val="accent1"/>
+          </a:fillRef>
+          <a:effectRef idx="0">
+            <a:schemeClr val="accent1"/>
+          </a:effectRef>
+          <a:fontRef idx="minor">
+            <a:schemeClr val="lt1"/>
+          </a:fontRef>
+        </p:style>
+        <p:txBody>
+          <a:bodyPr rtlCol="0" anchor="ctr"/>
+          <a:lstStyle/>
+          <a:p>
+            <a:pPr marL="0" marR="0" lvl="0" indent="0" algn="ctr" defTabSz="914400" rtl="0" eaLnBrk="1" fontAlgn="auto" latinLnBrk="0" hangingPunct="1">
+              <a:lnSpc>
+                <a:spcPct val="100000"/>
+              </a:lnSpc>
+              <a:spcBef>
+                <a:spcPts val="0"/>
+              </a:spcBef>
+              <a:spcAft>
+                <a:spcPts val="0"/>
+              </a:spcAft>
+              <a:buClrTx/>
+              <a:buSzTx/>
+              <a:buFontTx/>
+              <a:buNone/>
+              <a:tabLst/>
+              <a:defRPr/>
+            </a:pPr>
+            <a:endParaRPr kumimoji="0" lang="en-US" sz="1800" b="0" i="0" u="none" strike="noStrike" kern="1200" cap="none" spc="0" normalizeH="0" baseline="0" noProof="0">
+              <a:ln>
+                <a:noFill/>
+              </a:ln>
+              <a:solidFill>
+                <a:srgbClr val="FFFFFF"/>
+              </a:solidFill>
+              <a:effectLst/>
+              <a:uLnTx/>
+              <a:uFillTx/>
+              <a:latin typeface="Calibri" panose="020F0502020204030204"/>
+              <a:ea typeface="+mn-ea"/>
+              <a:cs typeface="+mn-cs"/>
+            </a:endParaRPr>
+          </a:p>
+        </p:txBody>
+      </p:sp>
+      <p:pic>
+        <p:nvPicPr>
+          <p:cNvPr id="7" name="Graphic 6">
+            <a:extLst>
+              <a:ext uri="{FF2B5EF4-FFF2-40B4-BE49-F238E27FC236}">
+                <a16:creationId xmlns:a16="http://schemas.microsoft.com/office/drawing/2014/main" id="{C0EF7036-2C5A-43EB-B68E-4D4545CA4943}"/>
+              </a:ext>
+            </a:extLst>
+          </p:cNvPr>
+          <p:cNvPicPr>
+            <a:picLocks noChangeAspect="1"/>
+          </p:cNvPicPr>
+          <p:nvPr/>
+        </p:nvPicPr>
+        <p:blipFill>
+          <a:blip r:embed="rId3">
             <a:extLst>
               <a:ext uri="{28A0092B-C50C-407E-A947-70E740481C1C}">
                 <a14:useLocalDpi xmlns:a14="http://schemas.microsoft.com/office/drawing/2010/main" val="0"/>
               </a:ext>
               <a:ext uri="{96DAC541-7B7A-43D3-8B79-37D633B846F1}">
-                <asvg:svgBlip xmlns:asvg="http://schemas.microsoft.com/office/drawing/2016/SVG/main" r:embed="rId3"/>
+                <asvg:svgBlip xmlns:asvg="http://schemas.microsoft.com/office/drawing/2016/SVG/main" r:embed="rId4"/>
               </a:ext>
             </a:extLst>
           </a:blip>
@@ -8714,44 +9473,215 @@
         </p:blipFill>
         <p:spPr>
           <a:xfrm>
-            <a:off x="9413987" y="2857501"/>
-            <a:ext cx="1142998" cy="1142998"/>
+            <a:off x="4138970" y="2951921"/>
+            <a:ext cx="3067358" cy="3067358"/>
           </a:xfrm>
           <a:prstGeom prst="rect">
             <a:avLst/>
           </a:prstGeom>
         </p:spPr>
       </p:pic>
-      <p:pic>
-        <p:nvPicPr>
-          <p:cNvPr id="4" name="Imagen 3">
-            <a:extLst>
-              <a:ext uri="{FF2B5EF4-FFF2-40B4-BE49-F238E27FC236}">
-                <a16:creationId xmlns:a16="http://schemas.microsoft.com/office/drawing/2014/main" id="{7E513351-D589-484E-A75A-C5BC60A63AD4}"/>
-              </a:ext>
-            </a:extLst>
-          </p:cNvPr>
-          <p:cNvPicPr>
-            <a:picLocks noChangeAspect="1"/>
-          </p:cNvPicPr>
-          <p:nvPr/>
-        </p:nvPicPr>
-        <p:blipFill>
-          <a:blip r:embed="rId4"/>
-          <a:stretch>
-            <a:fillRect/>
-          </a:stretch>
-        </p:blipFill>
+      <p:sp>
+        <p:nvSpPr>
+          <p:cNvPr id="23" name="Rectangle 22">
+            <a:extLst>
+              <a:ext uri="{FF2B5EF4-FFF2-40B4-BE49-F238E27FC236}">
+                <a16:creationId xmlns:a16="http://schemas.microsoft.com/office/drawing/2014/main" id="{73ED6512-6858-4552-B699-9A97FE9A4EA2}"/>
+              </a:ext>
+              <a:ext uri="{C183D7F6-B498-43B3-948B-1728B52AA6E4}">
+                <adec:decorative xmlns:adec="http://schemas.microsoft.com/office/drawing/2017/decorative" val="1"/>
+              </a:ext>
+            </a:extLst>
+          </p:cNvPr>
+          <p:cNvSpPr>
+            <a:spLocks noGrp="1" noRot="1" noChangeAspect="1" noMove="1" noResize="1" noEditPoints="1" noAdjustHandles="1" noChangeArrowheads="1" noChangeShapeType="1" noTextEdit="1"/>
+          </p:cNvSpPr>
+          <p:nvPr>
+            <p:extLst>
+              <p:ext uri="{386F3935-93C4-4BCD-93E2-E3B085C9AB24}">
+                <p16:designElem xmlns:p16="http://schemas.microsoft.com/office/powerpoint/2015/main" val="1"/>
+              </p:ext>
+            </p:extLst>
+          </p:nvPr>
+        </p:nvSpPr>
         <p:spPr>
           <a:xfrm>
-            <a:off x="9233243" y="2716823"/>
-            <a:ext cx="1504486" cy="1433145"/>
+            <a:off x="7556975" y="321732"/>
+            <a:ext cx="4313293" cy="6214534"/>
           </a:xfrm>
           <a:prstGeom prst="rect">
             <a:avLst/>
           </a:prstGeom>
+          <a:solidFill>
+            <a:srgbClr val="595959"/>
+          </a:solidFill>
+          <a:ln>
+            <a:noFill/>
+          </a:ln>
         </p:spPr>
-      </p:pic>
+        <p:style>
+          <a:lnRef idx="2">
+            <a:schemeClr val="accent1">
+              <a:shade val="50000"/>
+            </a:schemeClr>
+          </a:lnRef>
+          <a:fillRef idx="1">
+            <a:schemeClr val="accent1"/>
+          </a:fillRef>
+          <a:effectRef idx="0">
+            <a:schemeClr val="accent1"/>
+          </a:effectRef>
+          <a:fontRef idx="minor">
+            <a:schemeClr val="lt1"/>
+          </a:fontRef>
+        </p:style>
+        <p:txBody>
+          <a:bodyPr rtlCol="0" anchor="ctr"/>
+          <a:lstStyle/>
+          <a:p>
+            <a:pPr marL="0" marR="0" lvl="0" indent="0" algn="ctr" defTabSz="914400" rtl="0" eaLnBrk="1" fontAlgn="auto" latinLnBrk="0" hangingPunct="1">
+              <a:lnSpc>
+                <a:spcPct val="100000"/>
+              </a:lnSpc>
+              <a:spcBef>
+                <a:spcPts val="0"/>
+              </a:spcBef>
+              <a:spcAft>
+                <a:spcPts val="0"/>
+              </a:spcAft>
+              <a:buClrTx/>
+              <a:buSzTx/>
+              <a:buFontTx/>
+              <a:buNone/>
+              <a:tabLst/>
+              <a:defRPr/>
+            </a:pPr>
+            <a:endParaRPr kumimoji="0" lang="en-US" sz="1800" b="0" i="0" u="none" strike="noStrike" kern="1200" cap="none" spc="0" normalizeH="0" baseline="0" noProof="0">
+              <a:ln>
+                <a:noFill/>
+              </a:ln>
+              <a:solidFill>
+                <a:prstClr val="white"/>
+              </a:solidFill>
+              <a:effectLst/>
+              <a:uLnTx/>
+              <a:uFillTx/>
+              <a:latin typeface="Calibri" panose="020F0502020204030204"/>
+              <a:ea typeface="+mn-ea"/>
+              <a:cs typeface="+mn-cs"/>
+            </a:endParaRPr>
+          </a:p>
+        </p:txBody>
+      </p:sp>
+      <p:sp>
+        <p:nvSpPr>
+          <p:cNvPr id="3" name="Marcador de contenido 2">
+            <a:extLst>
+              <a:ext uri="{FF2B5EF4-FFF2-40B4-BE49-F238E27FC236}">
+                <a16:creationId xmlns:a16="http://schemas.microsoft.com/office/drawing/2014/main" id="{C68D8CDE-7C84-44AA-8C94-4042DBAEEFB3}"/>
+              </a:ext>
+            </a:extLst>
+          </p:cNvPr>
+          <p:cNvSpPr>
+            <a:spLocks noGrp="1"/>
+          </p:cNvSpPr>
+          <p:nvPr>
+            <p:ph idx="1"/>
+          </p:nvPr>
+        </p:nvSpPr>
+        <p:spPr>
+          <a:xfrm>
+            <a:off x="7956057" y="762983"/>
+            <a:ext cx="3515128" cy="5330923"/>
+          </a:xfrm>
+        </p:spPr>
+        <p:txBody>
+          <a:bodyPr anchor="ctr">
+            <a:normAutofit/>
+          </a:bodyPr>
+          <a:lstStyle/>
+          <a:p>
+            <a:endParaRPr lang="es-ES" sz="2000" b="1">
+              <a:solidFill>
+                <a:srgbClr val="FFFFFF"/>
+              </a:solidFill>
+            </a:endParaRPr>
+          </a:p>
+          <a:p>
+            <a:r>
+              <a:rPr lang="es-ES" sz="2000" b="1">
+                <a:solidFill>
+                  <a:srgbClr val="FFFFFF"/>
+                </a:solidFill>
+              </a:rPr>
+              <a:t>Psicología:</a:t>
+            </a:r>
+          </a:p>
+          <a:p>
+            <a:pPr marL="0" indent="0">
+              <a:buNone/>
+            </a:pPr>
+            <a:r>
+              <a:rPr lang="es-ES" sz="2000">
+                <a:solidFill>
+                  <a:srgbClr val="FFFFFF"/>
+                </a:solidFill>
+              </a:rPr>
+              <a:t>Usamos métodos y herramientas para evaluar el grado de  satisfacción de las personas con el diseño de la interfaz.</a:t>
+            </a:r>
+          </a:p>
+          <a:p>
+            <a:pPr marL="0" indent="0">
+              <a:buNone/>
+            </a:pPr>
+            <a:endParaRPr lang="es-ES" sz="2000">
+              <a:solidFill>
+                <a:srgbClr val="FFFFFF"/>
+              </a:solidFill>
+            </a:endParaRPr>
+          </a:p>
+          <a:p>
+            <a:r>
+              <a:rPr lang="es-ES" sz="2000" b="1">
+                <a:solidFill>
+                  <a:srgbClr val="FFFFFF"/>
+                </a:solidFill>
+              </a:rPr>
+              <a:t>Ergonomía:</a:t>
+            </a:r>
+          </a:p>
+          <a:p>
+            <a:pPr marL="0" indent="0">
+              <a:buNone/>
+            </a:pPr>
+            <a:r>
+              <a:rPr lang="es-ES" sz="2000">
+                <a:solidFill>
+                  <a:srgbClr val="FFFFFF"/>
+                </a:solidFill>
+              </a:rPr>
+              <a:t>Con esta disciplina aumentamos la sensación de confort y satisfacción para los usuarios, aumentando la seguridad, fiabilidad y eficiencia a la hora de interactuar con ella.</a:t>
+            </a:r>
+          </a:p>
+          <a:p>
+            <a:pPr marL="0" indent="0">
+              <a:buNone/>
+            </a:pPr>
+            <a:endParaRPr lang="es-ES" sz="2000">
+              <a:solidFill>
+                <a:srgbClr val="FFFFFF"/>
+              </a:solidFill>
+            </a:endParaRPr>
+          </a:p>
+          <a:p>
+            <a:endParaRPr lang="es-ES" sz="2000">
+              <a:solidFill>
+                <a:srgbClr val="FFFFFF"/>
+              </a:solidFill>
+            </a:endParaRPr>
+          </a:p>
+        </p:txBody>
+      </p:sp>
     </p:spTree>
     <p:extLst>
       <p:ext uri="{BB962C8B-B14F-4D97-AF65-F5344CB8AC3E}">
@@ -8792,90 +9722,10 @@
       </p:grpSpPr>
       <p:sp>
         <p:nvSpPr>
-          <p:cNvPr id="2" name="Título 1">
-            <a:extLst>
-              <a:ext uri="{FF2B5EF4-FFF2-40B4-BE49-F238E27FC236}">
-                <a16:creationId xmlns:a16="http://schemas.microsoft.com/office/drawing/2014/main" id="{D9217E15-F3E3-4509-9C99-BB1ECB7F7EE6}"/>
-              </a:ext>
-            </a:extLst>
-          </p:cNvPr>
-          <p:cNvSpPr>
-            <a:spLocks noGrp="1"/>
-          </p:cNvSpPr>
-          <p:nvPr>
-            <p:ph type="title"/>
-          </p:nvPr>
-        </p:nvSpPr>
-        <p:spPr>
-          <a:xfrm>
-            <a:off x="1136428" y="627564"/>
-            <a:ext cx="7474172" cy="1325563"/>
-          </a:xfrm>
-        </p:spPr>
-        <p:txBody>
-          <a:bodyPr>
-            <a:normAutofit/>
-          </a:bodyPr>
-          <a:lstStyle/>
-          <a:p>
-            <a:r>
-              <a:rPr lang="es-ES" dirty="0"/>
-              <a:t>Disciplinas relacionadas con mi App.</a:t>
-            </a:r>
-          </a:p>
-        </p:txBody>
-      </p:sp>
-      <p:sp>
-        <p:nvSpPr>
-          <p:cNvPr id="3" name="Marcador de contenido 2">
-            <a:extLst>
-              <a:ext uri="{FF2B5EF4-FFF2-40B4-BE49-F238E27FC236}">
-                <a16:creationId xmlns:a16="http://schemas.microsoft.com/office/drawing/2014/main" id="{C68D8CDE-7C84-44AA-8C94-4042DBAEEFB3}"/>
-              </a:ext>
-            </a:extLst>
-          </p:cNvPr>
-          <p:cNvSpPr>
-            <a:spLocks noGrp="1"/>
-          </p:cNvSpPr>
-          <p:nvPr>
-            <p:ph idx="1"/>
-          </p:nvPr>
-        </p:nvSpPr>
-        <p:spPr>
-          <a:xfrm>
-            <a:off x="1136429" y="2278173"/>
-            <a:ext cx="6467867" cy="3450613"/>
-          </a:xfrm>
-        </p:spPr>
-        <p:txBody>
-          <a:bodyPr anchor="ctr">
-            <a:normAutofit/>
-          </a:bodyPr>
-          <a:lstStyle/>
-          <a:p>
-            <a:r>
-              <a:rPr lang="es-ES" sz="2400" b="1" dirty="0"/>
-              <a:t>Ciencias de la documentación:</a:t>
-            </a:r>
-          </a:p>
-          <a:p>
-            <a:pPr marL="0" indent="0">
-              <a:buNone/>
-            </a:pPr>
-            <a:r>
-              <a:rPr lang="es-ES" sz="2400" dirty="0"/>
-              <a:t>Sirve de técnicas de descripción, gestión, búsqueda y presentación de la información, que facilitan al usuario información lo más relevante posible a su necesidad y de la forma más eficiente posible.</a:t>
-            </a:r>
-            <a:endParaRPr lang="es-ES" sz="2400" b="1" dirty="0"/>
-          </a:p>
-        </p:txBody>
-      </p:sp>
-      <p:sp>
-        <p:nvSpPr>
-          <p:cNvPr id="10" name="Rectangle 9">
-            <a:extLst>
-              <a:ext uri="{FF2B5EF4-FFF2-40B4-BE49-F238E27FC236}">
-                <a16:creationId xmlns:a16="http://schemas.microsoft.com/office/drawing/2014/main" id="{59A309A7-1751-4ABE-A3C1-EEC40366AD89}"/>
+          <p:cNvPr id="17" name="Rectangle 16">
+            <a:extLst>
+              <a:ext uri="{FF2B5EF4-FFF2-40B4-BE49-F238E27FC236}">
+                <a16:creationId xmlns:a16="http://schemas.microsoft.com/office/drawing/2014/main" id="{68A4132F-DEC6-4332-A00C-A11AD4519B6C}"/>
               </a:ext>
               <a:ext uri="{C183D7F6-B498-43B3-948B-1728B52AA6E4}">
                 <adec:decorative xmlns:adec="http://schemas.microsoft.com/office/drawing/2017/decorative" val="1"/>
@@ -8895,14 +9745,14 @@
         </p:nvSpPr>
         <p:spPr>
           <a:xfrm>
-            <a:off x="10088880" y="0"/>
-            <a:ext cx="2103120" cy="6858000"/>
+            <a:off x="3048" y="0"/>
+            <a:ext cx="12188952" cy="6858000"/>
           </a:xfrm>
           <a:prstGeom prst="rect">
             <a:avLst/>
           </a:prstGeom>
           <a:solidFill>
-            <a:schemeClr val="accent1"/>
+            <a:schemeClr val="tx1"/>
           </a:solidFill>
           <a:ln>
             <a:noFill/>
@@ -8935,10 +9785,10 @@
       </p:sp>
       <p:sp>
         <p:nvSpPr>
-          <p:cNvPr id="12" name="Oval 11">
-            <a:extLst>
-              <a:ext uri="{FF2B5EF4-FFF2-40B4-BE49-F238E27FC236}">
-                <a16:creationId xmlns:a16="http://schemas.microsoft.com/office/drawing/2014/main" id="{967D8EB6-EAE1-4F9C-B398-83321E287204}"/>
+          <p:cNvPr id="19" name="Freeform: Shape 18">
+            <a:extLst>
+              <a:ext uri="{FF2B5EF4-FFF2-40B4-BE49-F238E27FC236}">
+                <a16:creationId xmlns:a16="http://schemas.microsoft.com/office/drawing/2014/main" id="{64965EAE-E41A-435F-B993-07E824B6C977}"/>
               </a:ext>
               <a:ext uri="{C183D7F6-B498-43B3-948B-1728B52AA6E4}">
                 <adec:decorative xmlns:adec="http://schemas.microsoft.com/office/drawing/2017/decorative" val="1"/>
@@ -8957,20 +9807,65 @@
           </p:nvPr>
         </p:nvSpPr>
         <p:spPr>
-          <a:xfrm>
-            <a:off x="8915400" y="2358913"/>
-            <a:ext cx="2140172" cy="2140172"/>
+          <a:xfrm flipV="1">
+            <a:off x="1" y="0"/>
+            <a:ext cx="7539895" cy="6858000"/>
           </a:xfrm>
-          <a:prstGeom prst="ellipse">
+          <a:custGeom>
             <a:avLst/>
-          </a:prstGeom>
+            <a:gdLst>
+              <a:gd name="connsiteX0" fmla="*/ 7539895 w 7539895"/>
+              <a:gd name="connsiteY0" fmla="*/ 6858000 h 6858000"/>
+              <a:gd name="connsiteX1" fmla="*/ 0 w 7539895"/>
+              <a:gd name="connsiteY1" fmla="*/ 6858000 h 6858000"/>
+              <a:gd name="connsiteX2" fmla="*/ 0 w 7539895"/>
+              <a:gd name="connsiteY2" fmla="*/ 0 h 6858000"/>
+              <a:gd name="connsiteX3" fmla="*/ 4363741 w 7539895"/>
+              <a:gd name="connsiteY3" fmla="*/ 0 h 6858000"/>
+            </a:gdLst>
+            <a:ahLst/>
+            <a:cxnLst>
+              <a:cxn ang="0">
+                <a:pos x="connsiteX0" y="connsiteY0"/>
+              </a:cxn>
+              <a:cxn ang="0">
+                <a:pos x="connsiteX1" y="connsiteY1"/>
+              </a:cxn>
+              <a:cxn ang="0">
+                <a:pos x="connsiteX2" y="connsiteY2"/>
+              </a:cxn>
+              <a:cxn ang="0">
+                <a:pos x="connsiteX3" y="connsiteY3"/>
+              </a:cxn>
+            </a:cxnLst>
+            <a:rect l="l" t="t" r="r" b="b"/>
+            <a:pathLst>
+              <a:path w="7539895" h="6858000">
+                <a:moveTo>
+                  <a:pt x="7539895" y="6858000"/>
+                </a:moveTo>
+                <a:lnTo>
+                  <a:pt x="0" y="6858000"/>
+                </a:lnTo>
+                <a:lnTo>
+                  <a:pt x="0" y="0"/>
+                </a:lnTo>
+                <a:lnTo>
+                  <a:pt x="4363741" y="0"/>
+                </a:lnTo>
+                <a:close/>
+              </a:path>
+            </a:pathLst>
+          </a:custGeom>
           <a:solidFill>
-            <a:srgbClr val="FFFFFF"/>
+            <a:schemeClr val="bg1">
+              <a:lumMod val="85000"/>
+              <a:lumOff val="15000"/>
+              <a:alpha val="70000"/>
+            </a:schemeClr>
           </a:solidFill>
-          <a:ln w="22225">
-            <a:solidFill>
-              <a:schemeClr val="accent1"/>
-            </a:solidFill>
+          <a:ln>
+            <a:noFill/>
           </a:ln>
         </p:spPr>
         <p:style>
@@ -8990,11 +9885,204 @@
           </a:fontRef>
         </p:style>
         <p:txBody>
-          <a:bodyPr rtlCol="0" anchor="ctr"/>
+          <a:bodyPr wrap="square" rtlCol="0" anchor="ctr">
+            <a:noAutofit/>
+          </a:bodyPr>
           <a:lstStyle/>
           <a:p>
             <a:pPr algn="ctr"/>
             <a:endParaRPr lang="en-US"/>
+          </a:p>
+        </p:txBody>
+      </p:sp>
+      <p:sp>
+        <p:nvSpPr>
+          <p:cNvPr id="21" name="Freeform: Shape 20">
+            <a:extLst>
+              <a:ext uri="{FF2B5EF4-FFF2-40B4-BE49-F238E27FC236}">
+                <a16:creationId xmlns:a16="http://schemas.microsoft.com/office/drawing/2014/main" id="{152F8994-E6D4-4311-9548-C3607BC43645}"/>
+              </a:ext>
+              <a:ext uri="{C183D7F6-B498-43B3-948B-1728B52AA6E4}">
+                <adec:decorative xmlns:adec="http://schemas.microsoft.com/office/drawing/2017/decorative" val="1"/>
+              </a:ext>
+            </a:extLst>
+          </p:cNvPr>
+          <p:cNvSpPr>
+            <a:spLocks noGrp="1" noRot="1" noChangeAspect="1" noMove="1" noResize="1" noEditPoints="1" noAdjustHandles="1" noChangeArrowheads="1" noChangeShapeType="1" noTextEdit="1"/>
+          </p:cNvSpPr>
+          <p:nvPr>
+            <p:extLst>
+              <p:ext uri="{386F3935-93C4-4BCD-93E2-E3B085C9AB24}">
+                <p16:designElem xmlns:p16="http://schemas.microsoft.com/office/powerpoint/2015/main" val="1"/>
+              </p:ext>
+            </p:extLst>
+          </p:nvPr>
+        </p:nvSpPr>
+        <p:spPr>
+          <a:xfrm flipV="1">
+            <a:off x="0" y="0"/>
+            <a:ext cx="7092985" cy="6858000"/>
+          </a:xfrm>
+          <a:custGeom>
+            <a:avLst/>
+            <a:gdLst>
+              <a:gd name="connsiteX0" fmla="*/ 7092985 w 7092985"/>
+              <a:gd name="connsiteY0" fmla="*/ 6858000 h 6858000"/>
+              <a:gd name="connsiteX1" fmla="*/ 0 w 7092985"/>
+              <a:gd name="connsiteY1" fmla="*/ 6858000 h 6858000"/>
+              <a:gd name="connsiteX2" fmla="*/ 0 w 7092985"/>
+              <a:gd name="connsiteY2" fmla="*/ 0 h 6858000"/>
+              <a:gd name="connsiteX3" fmla="*/ 3916831 w 7092985"/>
+              <a:gd name="connsiteY3" fmla="*/ 0 h 6858000"/>
+            </a:gdLst>
+            <a:ahLst/>
+            <a:cxnLst>
+              <a:cxn ang="0">
+                <a:pos x="connsiteX0" y="connsiteY0"/>
+              </a:cxn>
+              <a:cxn ang="0">
+                <a:pos x="connsiteX1" y="connsiteY1"/>
+              </a:cxn>
+              <a:cxn ang="0">
+                <a:pos x="connsiteX2" y="connsiteY2"/>
+              </a:cxn>
+              <a:cxn ang="0">
+                <a:pos x="connsiteX3" y="connsiteY3"/>
+              </a:cxn>
+            </a:cxnLst>
+            <a:rect l="l" t="t" r="r" b="b"/>
+            <a:pathLst>
+              <a:path w="7092985" h="6858000">
+                <a:moveTo>
+                  <a:pt x="7092985" y="6858000"/>
+                </a:moveTo>
+                <a:lnTo>
+                  <a:pt x="0" y="6858000"/>
+                </a:lnTo>
+                <a:lnTo>
+                  <a:pt x="0" y="0"/>
+                </a:lnTo>
+                <a:lnTo>
+                  <a:pt x="3916831" y="0"/>
+                </a:lnTo>
+                <a:close/>
+              </a:path>
+            </a:pathLst>
+          </a:custGeom>
+          <a:solidFill>
+            <a:schemeClr val="bg1">
+              <a:lumMod val="85000"/>
+              <a:lumOff val="15000"/>
+            </a:schemeClr>
+          </a:solidFill>
+          <a:ln>
+            <a:noFill/>
+          </a:ln>
+        </p:spPr>
+        <p:style>
+          <a:lnRef idx="2">
+            <a:schemeClr val="accent1">
+              <a:shade val="50000"/>
+            </a:schemeClr>
+          </a:lnRef>
+          <a:fillRef idx="1">
+            <a:schemeClr val="accent1"/>
+          </a:fillRef>
+          <a:effectRef idx="0">
+            <a:schemeClr val="accent1"/>
+          </a:effectRef>
+          <a:fontRef idx="minor">
+            <a:schemeClr val="lt1"/>
+          </a:fontRef>
+        </p:style>
+        <p:txBody>
+          <a:bodyPr wrap="square" rtlCol="0" anchor="ctr">
+            <a:noAutofit/>
+          </a:bodyPr>
+          <a:lstStyle/>
+          <a:p>
+            <a:pPr algn="ctr"/>
+            <a:endParaRPr lang="en-US"/>
+          </a:p>
+        </p:txBody>
+      </p:sp>
+      <p:sp>
+        <p:nvSpPr>
+          <p:cNvPr id="2" name="Título 1">
+            <a:extLst>
+              <a:ext uri="{FF2B5EF4-FFF2-40B4-BE49-F238E27FC236}">
+                <a16:creationId xmlns:a16="http://schemas.microsoft.com/office/drawing/2014/main" id="{D9217E15-F3E3-4509-9C99-BB1ECB7F7EE6}"/>
+              </a:ext>
+            </a:extLst>
+          </p:cNvPr>
+          <p:cNvSpPr>
+            <a:spLocks noGrp="1"/>
+          </p:cNvSpPr>
+          <p:nvPr>
+            <p:ph type="title"/>
+          </p:nvPr>
+        </p:nvSpPr>
+        <p:spPr>
+          <a:xfrm>
+            <a:off x="838199" y="365125"/>
+            <a:ext cx="5529943" cy="1325563"/>
+          </a:xfrm>
+        </p:spPr>
+        <p:txBody>
+          <a:bodyPr>
+            <a:normAutofit/>
+          </a:bodyPr>
+          <a:lstStyle/>
+          <a:p>
+            <a:r>
+              <a:rPr lang="es-ES" dirty="0"/>
+              <a:t>Disciplinas relacionadas con mi App.</a:t>
+            </a:r>
+          </a:p>
+        </p:txBody>
+      </p:sp>
+      <p:sp>
+        <p:nvSpPr>
+          <p:cNvPr id="3" name="Marcador de contenido 2">
+            <a:extLst>
+              <a:ext uri="{FF2B5EF4-FFF2-40B4-BE49-F238E27FC236}">
+                <a16:creationId xmlns:a16="http://schemas.microsoft.com/office/drawing/2014/main" id="{C68D8CDE-7C84-44AA-8C94-4042DBAEEFB3}"/>
+              </a:ext>
+            </a:extLst>
+          </p:cNvPr>
+          <p:cNvSpPr>
+            <a:spLocks noGrp="1"/>
+          </p:cNvSpPr>
+          <p:nvPr>
+            <p:ph idx="1"/>
+          </p:nvPr>
+        </p:nvSpPr>
+        <p:spPr>
+          <a:xfrm>
+            <a:off x="838199" y="1825625"/>
+            <a:ext cx="4142091" cy="3399518"/>
+          </a:xfrm>
+        </p:spPr>
+        <p:txBody>
+          <a:bodyPr>
+            <a:normAutofit/>
+          </a:bodyPr>
+          <a:lstStyle/>
+          <a:p>
+            <a:r>
+              <a:rPr lang="es-ES" sz="2000" b="1"/>
+              <a:t>Ciencias de la documentación:</a:t>
+            </a:r>
+          </a:p>
+          <a:p>
+            <a:pPr marL="0" indent="0">
+              <a:buNone/>
+            </a:pPr>
+            <a:r>
+              <a:rPr lang="es-ES" sz="2000"/>
+              <a:t>Sirve de técnicas de descripción, gestión, búsqueda y presentación de la información, que facilitan al usuario información lo más relevante posible a su necesidad y de la forma más eficiente posible.</a:t>
+            </a:r>
+            <a:endParaRPr lang="es-ES" sz="2000" b="1"/>
           </a:p>
         </p:txBody>
       </p:sp>
@@ -9029,8 +10117,8 @@
         </p:blipFill>
         <p:spPr>
           <a:xfrm>
-            <a:off x="9413987" y="2857501"/>
-            <a:ext cx="1142998" cy="1142998"/>
+            <a:off x="9107777" y="365125"/>
+            <a:ext cx="2411852" cy="2411852"/>
           </a:xfrm>
           <a:prstGeom prst="rect">
             <a:avLst/>
@@ -9059,8 +10147,8 @@
         </p:blipFill>
         <p:spPr>
           <a:xfrm>
-            <a:off x="9233243" y="2716823"/>
-            <a:ext cx="1504486" cy="1433145"/>
+            <a:off x="9109981" y="2994128"/>
+            <a:ext cx="2409647" cy="3170589"/>
           </a:xfrm>
           <a:prstGeom prst="rect">
             <a:avLst/>
@@ -9075,7 +10163,7 @@
     </p:extLst>
   </p:cSld>
   <p:clrMapOvr>
-    <a:masterClrMapping/>
+    <a:overrideClrMapping bg1="dk1" tx1="lt1" bg2="dk2" tx2="lt2" accent1="accent1" accent2="accent2" accent3="accent3" accent4="accent4" accent5="accent5" accent6="accent6" hlink="hlink" folHlink="folHlink"/>
   </p:clrMapOvr>
 </p:sld>
 </file>
@@ -9107,123 +10195,10 @@
       </p:grpSpPr>
       <p:sp>
         <p:nvSpPr>
-          <p:cNvPr id="2" name="Título 1">
-            <a:extLst>
-              <a:ext uri="{FF2B5EF4-FFF2-40B4-BE49-F238E27FC236}">
-                <a16:creationId xmlns:a16="http://schemas.microsoft.com/office/drawing/2014/main" id="{D9217E15-F3E3-4509-9C99-BB1ECB7F7EE6}"/>
-              </a:ext>
-            </a:extLst>
-          </p:cNvPr>
-          <p:cNvSpPr>
-            <a:spLocks noGrp="1"/>
-          </p:cNvSpPr>
-          <p:nvPr>
-            <p:ph type="title"/>
-          </p:nvPr>
-        </p:nvSpPr>
-        <p:spPr>
-          <a:xfrm>
-            <a:off x="1136428" y="627564"/>
-            <a:ext cx="7474172" cy="1325563"/>
-          </a:xfrm>
-        </p:spPr>
-        <p:txBody>
-          <a:bodyPr>
-            <a:normAutofit/>
-          </a:bodyPr>
-          <a:lstStyle/>
-          <a:p>
-            <a:r>
-              <a:rPr lang="es-ES" dirty="0"/>
-              <a:t>Disciplinas NO relacionadas con mi App.</a:t>
-            </a:r>
-          </a:p>
-        </p:txBody>
-      </p:sp>
-      <p:sp>
-        <p:nvSpPr>
-          <p:cNvPr id="3" name="Marcador de contenido 2">
-            <a:extLst>
-              <a:ext uri="{FF2B5EF4-FFF2-40B4-BE49-F238E27FC236}">
-                <a16:creationId xmlns:a16="http://schemas.microsoft.com/office/drawing/2014/main" id="{C68D8CDE-7C84-44AA-8C94-4042DBAEEFB3}"/>
-              </a:ext>
-            </a:extLst>
-          </p:cNvPr>
-          <p:cNvSpPr>
-            <a:spLocks noGrp="1"/>
-          </p:cNvSpPr>
-          <p:nvPr>
-            <p:ph idx="1"/>
-          </p:nvPr>
-        </p:nvSpPr>
-        <p:spPr>
-          <a:xfrm>
-            <a:off x="1136429" y="2278173"/>
-            <a:ext cx="6467867" cy="3450613"/>
-          </a:xfrm>
-        </p:spPr>
-        <p:txBody>
-          <a:bodyPr anchor="ctr">
-            <a:normAutofit lnSpcReduction="10000"/>
-          </a:bodyPr>
-          <a:lstStyle/>
-          <a:p>
-            <a:r>
-              <a:rPr lang="es-ES" sz="2400" b="1" dirty="0"/>
-              <a:t>Sociología - Etnografía:</a:t>
-            </a:r>
-          </a:p>
-          <a:p>
-            <a:pPr marL="0" indent="0">
-              <a:buNone/>
-            </a:pPr>
-            <a:r>
-              <a:rPr lang="es-ES" sz="2400" dirty="0"/>
-              <a:t>El usuario es el que elige el estilo de corte de pelo que le gusta y que necesita. No necesito conocer el corte de pelo que le gusta a los usuarios.</a:t>
-            </a:r>
-          </a:p>
-          <a:p>
-            <a:pPr marL="0" indent="0">
-              <a:buNone/>
-            </a:pPr>
-            <a:r>
-              <a:rPr lang="es-ES" sz="2400" dirty="0"/>
-              <a:t>No se </a:t>
-            </a:r>
-            <a:r>
-              <a:rPr lang="es" sz="2400" dirty="0"/>
-              <a:t>necesita contemplar la cultura.</a:t>
-            </a:r>
-          </a:p>
-          <a:p>
-            <a:pPr marL="0" indent="0">
-              <a:buNone/>
-            </a:pPr>
-            <a:endParaRPr lang="es-ES" sz="2400" dirty="0"/>
-          </a:p>
-          <a:p>
-            <a:r>
-              <a:rPr lang="es-ES" sz="2400" b="1" dirty="0"/>
-              <a:t>Inteligencia Artificial:</a:t>
-            </a:r>
-          </a:p>
-          <a:p>
-            <a:pPr marL="0" indent="0">
-              <a:buNone/>
-            </a:pPr>
-            <a:r>
-              <a:rPr lang="es-ES" sz="2400" dirty="0"/>
-              <a:t>Éste App no necesita sistemas que simulen aspectos del comportamiento humano inteligente.</a:t>
-            </a:r>
-          </a:p>
-        </p:txBody>
-      </p:sp>
-      <p:sp>
-        <p:nvSpPr>
-          <p:cNvPr id="10" name="Rectangle 9">
-            <a:extLst>
-              <a:ext uri="{FF2B5EF4-FFF2-40B4-BE49-F238E27FC236}">
-                <a16:creationId xmlns:a16="http://schemas.microsoft.com/office/drawing/2014/main" id="{59A309A7-1751-4ABE-A3C1-EEC40366AD89}"/>
+          <p:cNvPr id="17" name="Rectangle 16">
+            <a:extLst>
+              <a:ext uri="{FF2B5EF4-FFF2-40B4-BE49-F238E27FC236}">
+                <a16:creationId xmlns:a16="http://schemas.microsoft.com/office/drawing/2014/main" id="{68A4132F-DEC6-4332-A00C-A11AD4519B6C}"/>
               </a:ext>
               <a:ext uri="{C183D7F6-B498-43B3-948B-1728B52AA6E4}">
                 <adec:decorative xmlns:adec="http://schemas.microsoft.com/office/drawing/2017/decorative" val="1"/>
@@ -9243,14 +10218,14 @@
         </p:nvSpPr>
         <p:spPr>
           <a:xfrm>
-            <a:off x="10088880" y="0"/>
-            <a:ext cx="2103120" cy="6858000"/>
+            <a:off x="3048" y="0"/>
+            <a:ext cx="12188952" cy="6858000"/>
           </a:xfrm>
           <a:prstGeom prst="rect">
             <a:avLst/>
           </a:prstGeom>
           <a:solidFill>
-            <a:schemeClr val="accent1"/>
+            <a:schemeClr val="tx1"/>
           </a:solidFill>
           <a:ln>
             <a:noFill/>
@@ -9283,10 +10258,10 @@
       </p:sp>
       <p:sp>
         <p:nvSpPr>
-          <p:cNvPr id="12" name="Oval 11">
-            <a:extLst>
-              <a:ext uri="{FF2B5EF4-FFF2-40B4-BE49-F238E27FC236}">
-                <a16:creationId xmlns:a16="http://schemas.microsoft.com/office/drawing/2014/main" id="{967D8EB6-EAE1-4F9C-B398-83321E287204}"/>
+          <p:cNvPr id="19" name="Freeform: Shape 18">
+            <a:extLst>
+              <a:ext uri="{FF2B5EF4-FFF2-40B4-BE49-F238E27FC236}">
+                <a16:creationId xmlns:a16="http://schemas.microsoft.com/office/drawing/2014/main" id="{64965EAE-E41A-435F-B993-07E824B6C977}"/>
               </a:ext>
               <a:ext uri="{C183D7F6-B498-43B3-948B-1728B52AA6E4}">
                 <adec:decorative xmlns:adec="http://schemas.microsoft.com/office/drawing/2017/decorative" val="1"/>
@@ -9305,20 +10280,65 @@
           </p:nvPr>
         </p:nvSpPr>
         <p:spPr>
-          <a:xfrm>
-            <a:off x="8915400" y="2358913"/>
-            <a:ext cx="2140172" cy="2140172"/>
+          <a:xfrm flipV="1">
+            <a:off x="1" y="0"/>
+            <a:ext cx="7539895" cy="6858000"/>
           </a:xfrm>
-          <a:prstGeom prst="ellipse">
+          <a:custGeom>
             <a:avLst/>
-          </a:prstGeom>
+            <a:gdLst>
+              <a:gd name="connsiteX0" fmla="*/ 7539895 w 7539895"/>
+              <a:gd name="connsiteY0" fmla="*/ 6858000 h 6858000"/>
+              <a:gd name="connsiteX1" fmla="*/ 0 w 7539895"/>
+              <a:gd name="connsiteY1" fmla="*/ 6858000 h 6858000"/>
+              <a:gd name="connsiteX2" fmla="*/ 0 w 7539895"/>
+              <a:gd name="connsiteY2" fmla="*/ 0 h 6858000"/>
+              <a:gd name="connsiteX3" fmla="*/ 4363741 w 7539895"/>
+              <a:gd name="connsiteY3" fmla="*/ 0 h 6858000"/>
+            </a:gdLst>
+            <a:ahLst/>
+            <a:cxnLst>
+              <a:cxn ang="0">
+                <a:pos x="connsiteX0" y="connsiteY0"/>
+              </a:cxn>
+              <a:cxn ang="0">
+                <a:pos x="connsiteX1" y="connsiteY1"/>
+              </a:cxn>
+              <a:cxn ang="0">
+                <a:pos x="connsiteX2" y="connsiteY2"/>
+              </a:cxn>
+              <a:cxn ang="0">
+                <a:pos x="connsiteX3" y="connsiteY3"/>
+              </a:cxn>
+            </a:cxnLst>
+            <a:rect l="l" t="t" r="r" b="b"/>
+            <a:pathLst>
+              <a:path w="7539895" h="6858000">
+                <a:moveTo>
+                  <a:pt x="7539895" y="6858000"/>
+                </a:moveTo>
+                <a:lnTo>
+                  <a:pt x="0" y="6858000"/>
+                </a:lnTo>
+                <a:lnTo>
+                  <a:pt x="0" y="0"/>
+                </a:lnTo>
+                <a:lnTo>
+                  <a:pt x="4363741" y="0"/>
+                </a:lnTo>
+                <a:close/>
+              </a:path>
+            </a:pathLst>
+          </a:custGeom>
           <a:solidFill>
-            <a:srgbClr val="FFFFFF"/>
+            <a:schemeClr val="bg1">
+              <a:lumMod val="85000"/>
+              <a:lumOff val="15000"/>
+              <a:alpha val="70000"/>
+            </a:schemeClr>
           </a:solidFill>
-          <a:ln w="22225">
-            <a:solidFill>
-              <a:schemeClr val="accent1"/>
-            </a:solidFill>
+          <a:ln>
+            <a:noFill/>
           </a:ln>
         </p:spPr>
         <p:style>
@@ -9338,11 +10358,237 @@
           </a:fontRef>
         </p:style>
         <p:txBody>
-          <a:bodyPr rtlCol="0" anchor="ctr"/>
+          <a:bodyPr wrap="square" rtlCol="0" anchor="ctr">
+            <a:noAutofit/>
+          </a:bodyPr>
           <a:lstStyle/>
           <a:p>
             <a:pPr algn="ctr"/>
             <a:endParaRPr lang="en-US"/>
+          </a:p>
+        </p:txBody>
+      </p:sp>
+      <p:sp>
+        <p:nvSpPr>
+          <p:cNvPr id="21" name="Freeform: Shape 20">
+            <a:extLst>
+              <a:ext uri="{FF2B5EF4-FFF2-40B4-BE49-F238E27FC236}">
+                <a16:creationId xmlns:a16="http://schemas.microsoft.com/office/drawing/2014/main" id="{152F8994-E6D4-4311-9548-C3607BC43645}"/>
+              </a:ext>
+              <a:ext uri="{C183D7F6-B498-43B3-948B-1728B52AA6E4}">
+                <adec:decorative xmlns:adec="http://schemas.microsoft.com/office/drawing/2017/decorative" val="1"/>
+              </a:ext>
+            </a:extLst>
+          </p:cNvPr>
+          <p:cNvSpPr>
+            <a:spLocks noGrp="1" noRot="1" noChangeAspect="1" noMove="1" noResize="1" noEditPoints="1" noAdjustHandles="1" noChangeArrowheads="1" noChangeShapeType="1" noTextEdit="1"/>
+          </p:cNvSpPr>
+          <p:nvPr>
+            <p:extLst>
+              <p:ext uri="{386F3935-93C4-4BCD-93E2-E3B085C9AB24}">
+                <p16:designElem xmlns:p16="http://schemas.microsoft.com/office/powerpoint/2015/main" val="1"/>
+              </p:ext>
+            </p:extLst>
+          </p:nvPr>
+        </p:nvSpPr>
+        <p:spPr>
+          <a:xfrm flipV="1">
+            <a:off x="0" y="0"/>
+            <a:ext cx="7092985" cy="6858000"/>
+          </a:xfrm>
+          <a:custGeom>
+            <a:avLst/>
+            <a:gdLst>
+              <a:gd name="connsiteX0" fmla="*/ 7092985 w 7092985"/>
+              <a:gd name="connsiteY0" fmla="*/ 6858000 h 6858000"/>
+              <a:gd name="connsiteX1" fmla="*/ 0 w 7092985"/>
+              <a:gd name="connsiteY1" fmla="*/ 6858000 h 6858000"/>
+              <a:gd name="connsiteX2" fmla="*/ 0 w 7092985"/>
+              <a:gd name="connsiteY2" fmla="*/ 0 h 6858000"/>
+              <a:gd name="connsiteX3" fmla="*/ 3916831 w 7092985"/>
+              <a:gd name="connsiteY3" fmla="*/ 0 h 6858000"/>
+            </a:gdLst>
+            <a:ahLst/>
+            <a:cxnLst>
+              <a:cxn ang="0">
+                <a:pos x="connsiteX0" y="connsiteY0"/>
+              </a:cxn>
+              <a:cxn ang="0">
+                <a:pos x="connsiteX1" y="connsiteY1"/>
+              </a:cxn>
+              <a:cxn ang="0">
+                <a:pos x="connsiteX2" y="connsiteY2"/>
+              </a:cxn>
+              <a:cxn ang="0">
+                <a:pos x="connsiteX3" y="connsiteY3"/>
+              </a:cxn>
+            </a:cxnLst>
+            <a:rect l="l" t="t" r="r" b="b"/>
+            <a:pathLst>
+              <a:path w="7092985" h="6858000">
+                <a:moveTo>
+                  <a:pt x="7092985" y="6858000"/>
+                </a:moveTo>
+                <a:lnTo>
+                  <a:pt x="0" y="6858000"/>
+                </a:lnTo>
+                <a:lnTo>
+                  <a:pt x="0" y="0"/>
+                </a:lnTo>
+                <a:lnTo>
+                  <a:pt x="3916831" y="0"/>
+                </a:lnTo>
+                <a:close/>
+              </a:path>
+            </a:pathLst>
+          </a:custGeom>
+          <a:solidFill>
+            <a:schemeClr val="bg1">
+              <a:lumMod val="85000"/>
+              <a:lumOff val="15000"/>
+            </a:schemeClr>
+          </a:solidFill>
+          <a:ln>
+            <a:noFill/>
+          </a:ln>
+        </p:spPr>
+        <p:style>
+          <a:lnRef idx="2">
+            <a:schemeClr val="accent1">
+              <a:shade val="50000"/>
+            </a:schemeClr>
+          </a:lnRef>
+          <a:fillRef idx="1">
+            <a:schemeClr val="accent1"/>
+          </a:fillRef>
+          <a:effectRef idx="0">
+            <a:schemeClr val="accent1"/>
+          </a:effectRef>
+          <a:fontRef idx="minor">
+            <a:schemeClr val="lt1"/>
+          </a:fontRef>
+        </p:style>
+        <p:txBody>
+          <a:bodyPr wrap="square" rtlCol="0" anchor="ctr">
+            <a:noAutofit/>
+          </a:bodyPr>
+          <a:lstStyle/>
+          <a:p>
+            <a:pPr algn="ctr"/>
+            <a:endParaRPr lang="en-US"/>
+          </a:p>
+        </p:txBody>
+      </p:sp>
+      <p:sp>
+        <p:nvSpPr>
+          <p:cNvPr id="2" name="Título 1">
+            <a:extLst>
+              <a:ext uri="{FF2B5EF4-FFF2-40B4-BE49-F238E27FC236}">
+                <a16:creationId xmlns:a16="http://schemas.microsoft.com/office/drawing/2014/main" id="{D9217E15-F3E3-4509-9C99-BB1ECB7F7EE6}"/>
+              </a:ext>
+            </a:extLst>
+          </p:cNvPr>
+          <p:cNvSpPr>
+            <a:spLocks noGrp="1"/>
+          </p:cNvSpPr>
+          <p:nvPr>
+            <p:ph type="title"/>
+          </p:nvPr>
+        </p:nvSpPr>
+        <p:spPr>
+          <a:xfrm>
+            <a:off x="838199" y="365125"/>
+            <a:ext cx="5529943" cy="1325563"/>
+          </a:xfrm>
+        </p:spPr>
+        <p:txBody>
+          <a:bodyPr>
+            <a:normAutofit/>
+          </a:bodyPr>
+          <a:lstStyle/>
+          <a:p>
+            <a:r>
+              <a:rPr lang="es-ES" sz="4100"/>
+              <a:t>Disciplinas NO relacionadas con mi App.</a:t>
+            </a:r>
+          </a:p>
+        </p:txBody>
+      </p:sp>
+      <p:sp>
+        <p:nvSpPr>
+          <p:cNvPr id="3" name="Marcador de contenido 2">
+            <a:extLst>
+              <a:ext uri="{FF2B5EF4-FFF2-40B4-BE49-F238E27FC236}">
+                <a16:creationId xmlns:a16="http://schemas.microsoft.com/office/drawing/2014/main" id="{C68D8CDE-7C84-44AA-8C94-4042DBAEEFB3}"/>
+              </a:ext>
+            </a:extLst>
+          </p:cNvPr>
+          <p:cNvSpPr>
+            <a:spLocks noGrp="1"/>
+          </p:cNvSpPr>
+          <p:nvPr>
+            <p:ph idx="1"/>
+          </p:nvPr>
+        </p:nvSpPr>
+        <p:spPr>
+          <a:xfrm>
+            <a:off x="838199" y="1825625"/>
+            <a:ext cx="4142091" cy="3399518"/>
+          </a:xfrm>
+        </p:spPr>
+        <p:txBody>
+          <a:bodyPr>
+            <a:normAutofit/>
+          </a:bodyPr>
+          <a:lstStyle/>
+          <a:p>
+            <a:r>
+              <a:rPr lang="es-ES" sz="1700" b="1"/>
+              <a:t>Sociología - Etnografía:</a:t>
+            </a:r>
+          </a:p>
+          <a:p>
+            <a:pPr marL="0" indent="0">
+              <a:buNone/>
+            </a:pPr>
+            <a:r>
+              <a:rPr lang="es-ES" sz="1700"/>
+              <a:t>El usuario es el que elige el estilo de corte de pelo que le gusta y que necesita. No necesito conocer el corte de pelo que le gusta a los usuarios.</a:t>
+            </a:r>
+          </a:p>
+          <a:p>
+            <a:pPr marL="0" indent="0">
+              <a:buNone/>
+            </a:pPr>
+            <a:r>
+              <a:rPr lang="es-ES" sz="1700"/>
+              <a:t>No se </a:t>
+            </a:r>
+            <a:r>
+              <a:rPr lang="es" sz="1700"/>
+              <a:t>necesita contemplar la cultura.</a:t>
+            </a:r>
+          </a:p>
+          <a:p>
+            <a:pPr marL="0" indent="0">
+              <a:buNone/>
+            </a:pPr>
+            <a:endParaRPr lang="es-ES" sz="1700"/>
+          </a:p>
+          <a:p>
+            <a:r>
+              <a:rPr lang="es-ES" sz="1700" b="1"/>
+              <a:t>Inteligencia Artificial:</a:t>
+            </a:r>
+          </a:p>
+          <a:p>
+            <a:pPr marL="0" indent="0">
+              <a:buNone/>
+            </a:pPr>
+            <a:r>
+              <a:rPr lang="es-ES" sz="1700"/>
+              <a:t>Éste App no necesita sistemas que simulen aspectos del comportamiento humano inteligente.</a:t>
+            </a:r>
           </a:p>
         </p:txBody>
       </p:sp>
@@ -9377,8 +10623,8 @@
         </p:blipFill>
         <p:spPr>
           <a:xfrm>
-            <a:off x="9413987" y="2857501"/>
-            <a:ext cx="1142998" cy="1142998"/>
+            <a:off x="9107777" y="365125"/>
+            <a:ext cx="2411852" cy="2411852"/>
           </a:xfrm>
           <a:prstGeom prst="rect">
             <a:avLst/>
@@ -9407,8 +10653,8 @@
         </p:blipFill>
         <p:spPr>
           <a:xfrm>
-            <a:off x="9233243" y="2716823"/>
-            <a:ext cx="1504486" cy="1433145"/>
+            <a:off x="9109981" y="2994128"/>
+            <a:ext cx="2409647" cy="3170589"/>
           </a:xfrm>
           <a:prstGeom prst="rect">
             <a:avLst/>
@@ -9423,7 +10669,7 @@
     </p:extLst>
   </p:cSld>
   <p:clrMapOvr>
-    <a:masterClrMapping/>
+    <a:overrideClrMapping bg1="dk1" tx1="lt1" bg2="dk2" tx2="lt2" accent1="accent1" accent2="accent2" accent3="accent3" accent4="accent4" accent5="accent5" accent6="accent6" hlink="hlink" folHlink="folHlink"/>
   </p:clrMapOvr>
 </p:sld>
 </file>
